--- a/03 commandset.pptx
+++ b/03 commandset.pptx
@@ -5,10 +5,10 @@
     <p:sldMasterId id="2147484229" r:id="rId2"/>
   </p:sldMasterIdLst>
   <p:notesMasterIdLst>
-    <p:notesMasterId r:id="rId15"/>
+    <p:notesMasterId r:id="rId17"/>
   </p:notesMasterIdLst>
   <p:handoutMasterIdLst>
-    <p:handoutMasterId r:id="rId16"/>
+    <p:handoutMasterId r:id="rId18"/>
   </p:handoutMasterIdLst>
   <p:sldIdLst>
     <p:sldId id="1582" r:id="rId3"/>
@@ -18,11 +18,13 @@
     <p:sldId id="1561" r:id="rId7"/>
     <p:sldId id="1586" r:id="rId8"/>
     <p:sldId id="1560" r:id="rId9"/>
-    <p:sldId id="1589" r:id="rId10"/>
-    <p:sldId id="1590" r:id="rId11"/>
-    <p:sldId id="1591" r:id="rId12"/>
-    <p:sldId id="1592" r:id="rId13"/>
-    <p:sldId id="1593" r:id="rId14"/>
+    <p:sldId id="1594" r:id="rId10"/>
+    <p:sldId id="1595" r:id="rId11"/>
+    <p:sldId id="1589" r:id="rId12"/>
+    <p:sldId id="1590" r:id="rId13"/>
+    <p:sldId id="1591" r:id="rId14"/>
+    <p:sldId id="1592" r:id="rId15"/>
+    <p:sldId id="1593" r:id="rId16"/>
   </p:sldIdLst>
   <p:sldSz cx="12436475" cy="6994525"/>
   <p:notesSz cx="6858000" cy="9144000"/>
@@ -141,6 +143,8 @@
           <p14:sldIdLst>
             <p14:sldId id="1586"/>
             <p14:sldId id="1560"/>
+            <p14:sldId id="1594"/>
+            <p14:sldId id="1595"/>
             <p14:sldId id="1589"/>
           </p14:sldIdLst>
         </p14:section>
@@ -270,7 +274,7 @@
               <a:rPr lang="en-US" smtClean="0">
                 <a:latin typeface="Segoe UI" pitchFamily="34" charset="0"/>
               </a:rPr>
-              <a:t>10/31/2021 2:09 PM</a:t>
+              <a:t>4/30/2022 2:43 PM</a:t>
             </a:fld>
             <a:endParaRPr lang="en-US" dirty="0">
               <a:latin typeface="Segoe UI" pitchFamily="34" charset="0"/>
@@ -567,7 +571,7 @@
           <a:p>
             <a:fld id="{D18B56EA-E28F-4F92-9F16-7A6F2501B303}" type="datetime8">
               <a:rPr lang="en-US" smtClean="0"/>
-              <a:t>10/31/2021 2:09 PM</a:t>
+              <a:t>4/30/2022 2:43 PM</a:t>
             </a:fld>
             <a:endParaRPr lang="en-US" dirty="0"/>
           </a:p>
@@ -950,7 +954,7 @@
           <a:p>
             <a:fld id="{D18B56EA-E28F-4F92-9F16-7A6F2501B303}" type="datetime8">
               <a:rPr lang="en-US" smtClean="0"/>
-              <a:t>10/31/2021 2:09 PM</a:t>
+              <a:t>4/30/2022 2:43 PM</a:t>
             </a:fld>
             <a:endParaRPr lang="en-US" dirty="0"/>
           </a:p>
@@ -1131,7 +1135,7 @@
           <a:p>
             <a:fld id="{D18B56EA-E28F-4F92-9F16-7A6F2501B303}" type="datetime8">
               <a:rPr lang="en-US" smtClean="0"/>
-              <a:t>10/31/2021 2:09 PM</a:t>
+              <a:t>4/30/2022 2:43 PM</a:t>
             </a:fld>
             <a:endParaRPr lang="en-US" dirty="0"/>
           </a:p>
@@ -1155,7 +1159,7 @@
             <a:fld id="{B4008EB6-D09E-4580-8CD6-DDB14511944F}" type="slidenum">
               <a:rPr lang="en-US" smtClean="0"/>
               <a:pPr/>
-              <a:t>11</a:t>
+              <a:t>10</a:t>
             </a:fld>
             <a:endParaRPr lang="en-US" dirty="0"/>
           </a:p>
@@ -1164,7 +1168,7 @@
     </p:spTree>
     <p:extLst>
       <p:ext uri="{BB962C8B-B14F-4D97-AF65-F5344CB8AC3E}">
-        <p14:creationId xmlns:p14="http://schemas.microsoft.com/office/powerpoint/2010/main" val="2510823477"/>
+        <p14:creationId xmlns:p14="http://schemas.microsoft.com/office/powerpoint/2010/main" val="2593812498"/>
       </p:ext>
     </p:extLst>
   </p:cSld>
@@ -1218,7 +1222,7 @@
           <a:bodyPr/>
           <a:lstStyle/>
           <a:p>
-            <a:endParaRPr lang="en-US"/>
+            <a:endParaRPr lang="en-US" dirty="0"/>
           </a:p>
         </p:txBody>
       </p:sp>
@@ -1312,7 +1316,7 @@
           <a:p>
             <a:fld id="{D18B56EA-E28F-4F92-9F16-7A6F2501B303}" type="datetime8">
               <a:rPr lang="en-US" smtClean="0"/>
-              <a:t>10/31/2021 2:09 PM</a:t>
+              <a:t>4/30/2022 2:43 PM</a:t>
             </a:fld>
             <a:endParaRPr lang="en-US" dirty="0"/>
           </a:p>
@@ -1337,6 +1341,368 @@
               <a:rPr lang="en-US" smtClean="0"/>
               <a:pPr/>
               <a:t>12</a:t>
+            </a:fld>
+            <a:endParaRPr lang="en-US" dirty="0"/>
+          </a:p>
+        </p:txBody>
+      </p:sp>
+    </p:spTree>
+    <p:extLst>
+      <p:ext uri="{BB962C8B-B14F-4D97-AF65-F5344CB8AC3E}">
+        <p14:creationId xmlns:p14="http://schemas.microsoft.com/office/powerpoint/2010/main" val="3282806226"/>
+      </p:ext>
+    </p:extLst>
+  </p:cSld>
+  <p:clrMapOvr>
+    <a:masterClrMapping/>
+  </p:clrMapOvr>
+</p:notes>
+</file>
+
+<file path=ppt/notesSlides/notesSlide12.xml><?xml version="1.0" encoding="utf-8"?>
+<p:notes xmlns:a="http://schemas.openxmlformats.org/drawingml/2006/main" xmlns:r="http://schemas.openxmlformats.org/officeDocument/2006/relationships" xmlns:p="http://schemas.openxmlformats.org/presentationml/2006/main">
+  <p:cSld>
+    <p:spTree>
+      <p:nvGrpSpPr>
+        <p:cNvPr id="1" name=""/>
+        <p:cNvGrpSpPr/>
+        <p:nvPr/>
+      </p:nvGrpSpPr>
+      <p:grpSpPr>
+        <a:xfrm>
+          <a:off x="0" y="0"/>
+          <a:ext cx="0" cy="0"/>
+          <a:chOff x="0" y="0"/>
+          <a:chExt cx="0" cy="0"/>
+        </a:xfrm>
+      </p:grpSpPr>
+      <p:sp>
+        <p:nvSpPr>
+          <p:cNvPr id="2" name="Slide Image Placeholder 1"/>
+          <p:cNvSpPr>
+            <a:spLocks noGrp="1" noRot="1" noChangeAspect="1"/>
+          </p:cNvSpPr>
+          <p:nvPr>
+            <p:ph type="sldImg"/>
+          </p:nvPr>
+        </p:nvSpPr>
+        <p:spPr/>
+      </p:sp>
+      <p:sp>
+        <p:nvSpPr>
+          <p:cNvPr id="3" name="Notes Placeholder 2"/>
+          <p:cNvSpPr>
+            <a:spLocks noGrp="1"/>
+          </p:cNvSpPr>
+          <p:nvPr>
+            <p:ph type="body" idx="1"/>
+          </p:nvPr>
+        </p:nvSpPr>
+        <p:spPr/>
+        <p:txBody>
+          <a:bodyPr/>
+          <a:lstStyle/>
+          <a:p>
+            <a:endParaRPr lang="en-US"/>
+          </a:p>
+        </p:txBody>
+      </p:sp>
+      <p:sp>
+        <p:nvSpPr>
+          <p:cNvPr id="4" name="Header Placeholder 3"/>
+          <p:cNvSpPr>
+            <a:spLocks noGrp="1"/>
+          </p:cNvSpPr>
+          <p:nvPr>
+            <p:ph type="hdr" sz="quarter" idx="10"/>
+          </p:nvPr>
+        </p:nvSpPr>
+        <p:spPr/>
+        <p:txBody>
+          <a:bodyPr/>
+          <a:lstStyle/>
+          <a:p>
+            <a:endParaRPr lang="en-US" dirty="0"/>
+          </a:p>
+        </p:txBody>
+      </p:sp>
+      <p:sp>
+        <p:nvSpPr>
+          <p:cNvPr id="5" name="Footer Placeholder 4"/>
+          <p:cNvSpPr>
+            <a:spLocks noGrp="1"/>
+          </p:cNvSpPr>
+          <p:nvPr>
+            <p:ph type="ftr" sz="quarter" idx="11"/>
+          </p:nvPr>
+        </p:nvSpPr>
+        <p:spPr/>
+        <p:txBody>
+          <a:bodyPr/>
+          <a:lstStyle/>
+          <a:p>
+            <a:pPr defTabSz="914099" eaLnBrk="0" hangingPunct="0"/>
+            <a:r>
+              <a:rPr lang="en-US" sz="400">
+                <a:gradFill>
+                  <a:gsLst>
+                    <a:gs pos="0">
+                      <a:prstClr val="black"/>
+                    </a:gs>
+                    <a:gs pos="100000">
+                      <a:prstClr val="black"/>
+                    </a:gs>
+                  </a:gsLst>
+                  <a:lin ang="5400000" scaled="0"/>
+                </a:gradFill>
+                <a:latin typeface="Segoe UI" pitchFamily="34" charset="0"/>
+                <a:ea typeface="Segoe UI" pitchFamily="34" charset="0"/>
+                <a:cs typeface="Segoe UI" pitchFamily="34" charset="0"/>
+              </a:rPr>
+              <a:t>© Microsoft Corporation. All rights reserved. MICROSOFT MAKES NO WARRANTIES, EXPRESS, IMPLIED OR STATUTORY, AS TO THE INFORMATION IN THIS PRESENTATION.</a:t>
+            </a:r>
+            <a:endParaRPr lang="en-US" sz="400" dirty="0">
+              <a:gradFill>
+                <a:gsLst>
+                  <a:gs pos="0">
+                    <a:prstClr val="black"/>
+                  </a:gs>
+                  <a:gs pos="100000">
+                    <a:prstClr val="black"/>
+                  </a:gs>
+                </a:gsLst>
+                <a:lin ang="5400000" scaled="0"/>
+              </a:gradFill>
+              <a:latin typeface="Segoe UI" pitchFamily="34" charset="0"/>
+              <a:ea typeface="Segoe UI" pitchFamily="34" charset="0"/>
+              <a:cs typeface="Segoe UI" pitchFamily="34" charset="0"/>
+            </a:endParaRPr>
+          </a:p>
+        </p:txBody>
+      </p:sp>
+      <p:sp>
+        <p:nvSpPr>
+          <p:cNvPr id="6" name="Date Placeholder 5"/>
+          <p:cNvSpPr>
+            <a:spLocks noGrp="1"/>
+          </p:cNvSpPr>
+          <p:nvPr>
+            <p:ph type="dt" idx="12"/>
+          </p:nvPr>
+        </p:nvSpPr>
+        <p:spPr/>
+        <p:txBody>
+          <a:bodyPr/>
+          <a:lstStyle/>
+          <a:p>
+            <a:fld id="{D18B56EA-E28F-4F92-9F16-7A6F2501B303}" type="datetime8">
+              <a:rPr lang="en-US" smtClean="0"/>
+              <a:t>4/30/2022 2:43 PM</a:t>
+            </a:fld>
+            <a:endParaRPr lang="en-US" dirty="0"/>
+          </a:p>
+        </p:txBody>
+      </p:sp>
+      <p:sp>
+        <p:nvSpPr>
+          <p:cNvPr id="7" name="Slide Number Placeholder 6"/>
+          <p:cNvSpPr>
+            <a:spLocks noGrp="1"/>
+          </p:cNvSpPr>
+          <p:nvPr>
+            <p:ph type="sldNum" sz="quarter" idx="13"/>
+          </p:nvPr>
+        </p:nvSpPr>
+        <p:spPr/>
+        <p:txBody>
+          <a:bodyPr/>
+          <a:lstStyle/>
+          <a:p>
+            <a:fld id="{B4008EB6-D09E-4580-8CD6-DDB14511944F}" type="slidenum">
+              <a:rPr lang="en-US" smtClean="0"/>
+              <a:pPr/>
+              <a:t>13</a:t>
+            </a:fld>
+            <a:endParaRPr lang="en-US" dirty="0"/>
+          </a:p>
+        </p:txBody>
+      </p:sp>
+    </p:spTree>
+    <p:extLst>
+      <p:ext uri="{BB962C8B-B14F-4D97-AF65-F5344CB8AC3E}">
+        <p14:creationId xmlns:p14="http://schemas.microsoft.com/office/powerpoint/2010/main" val="2510823477"/>
+      </p:ext>
+    </p:extLst>
+  </p:cSld>
+  <p:clrMapOvr>
+    <a:masterClrMapping/>
+  </p:clrMapOvr>
+</p:notes>
+</file>
+
+<file path=ppt/notesSlides/notesSlide13.xml><?xml version="1.0" encoding="utf-8"?>
+<p:notes xmlns:a="http://schemas.openxmlformats.org/drawingml/2006/main" xmlns:r="http://schemas.openxmlformats.org/officeDocument/2006/relationships" xmlns:p="http://schemas.openxmlformats.org/presentationml/2006/main">
+  <p:cSld>
+    <p:spTree>
+      <p:nvGrpSpPr>
+        <p:cNvPr id="1" name=""/>
+        <p:cNvGrpSpPr/>
+        <p:nvPr/>
+      </p:nvGrpSpPr>
+      <p:grpSpPr>
+        <a:xfrm>
+          <a:off x="0" y="0"/>
+          <a:ext cx="0" cy="0"/>
+          <a:chOff x="0" y="0"/>
+          <a:chExt cx="0" cy="0"/>
+        </a:xfrm>
+      </p:grpSpPr>
+      <p:sp>
+        <p:nvSpPr>
+          <p:cNvPr id="2" name="Slide Image Placeholder 1"/>
+          <p:cNvSpPr>
+            <a:spLocks noGrp="1" noRot="1" noChangeAspect="1"/>
+          </p:cNvSpPr>
+          <p:nvPr>
+            <p:ph type="sldImg"/>
+          </p:nvPr>
+        </p:nvSpPr>
+        <p:spPr/>
+      </p:sp>
+      <p:sp>
+        <p:nvSpPr>
+          <p:cNvPr id="3" name="Notes Placeholder 2"/>
+          <p:cNvSpPr>
+            <a:spLocks noGrp="1"/>
+          </p:cNvSpPr>
+          <p:nvPr>
+            <p:ph type="body" idx="1"/>
+          </p:nvPr>
+        </p:nvSpPr>
+        <p:spPr/>
+        <p:txBody>
+          <a:bodyPr/>
+          <a:lstStyle/>
+          <a:p>
+            <a:endParaRPr lang="en-US"/>
+          </a:p>
+        </p:txBody>
+      </p:sp>
+      <p:sp>
+        <p:nvSpPr>
+          <p:cNvPr id="4" name="Header Placeholder 3"/>
+          <p:cNvSpPr>
+            <a:spLocks noGrp="1"/>
+          </p:cNvSpPr>
+          <p:nvPr>
+            <p:ph type="hdr" sz="quarter" idx="10"/>
+          </p:nvPr>
+        </p:nvSpPr>
+        <p:spPr/>
+        <p:txBody>
+          <a:bodyPr/>
+          <a:lstStyle/>
+          <a:p>
+            <a:endParaRPr lang="en-US" dirty="0"/>
+          </a:p>
+        </p:txBody>
+      </p:sp>
+      <p:sp>
+        <p:nvSpPr>
+          <p:cNvPr id="5" name="Footer Placeholder 4"/>
+          <p:cNvSpPr>
+            <a:spLocks noGrp="1"/>
+          </p:cNvSpPr>
+          <p:nvPr>
+            <p:ph type="ftr" sz="quarter" idx="11"/>
+          </p:nvPr>
+        </p:nvSpPr>
+        <p:spPr/>
+        <p:txBody>
+          <a:bodyPr/>
+          <a:lstStyle/>
+          <a:p>
+            <a:pPr defTabSz="914099" eaLnBrk="0" hangingPunct="0"/>
+            <a:r>
+              <a:rPr lang="en-US" sz="400">
+                <a:gradFill>
+                  <a:gsLst>
+                    <a:gs pos="0">
+                      <a:prstClr val="black"/>
+                    </a:gs>
+                    <a:gs pos="100000">
+                      <a:prstClr val="black"/>
+                    </a:gs>
+                  </a:gsLst>
+                  <a:lin ang="5400000" scaled="0"/>
+                </a:gradFill>
+                <a:latin typeface="Segoe UI" pitchFamily="34" charset="0"/>
+                <a:ea typeface="Segoe UI" pitchFamily="34" charset="0"/>
+                <a:cs typeface="Segoe UI" pitchFamily="34" charset="0"/>
+              </a:rPr>
+              <a:t>© Microsoft Corporation. All rights reserved. MICROSOFT MAKES NO WARRANTIES, EXPRESS, IMPLIED OR STATUTORY, AS TO THE INFORMATION IN THIS PRESENTATION.</a:t>
+            </a:r>
+            <a:endParaRPr lang="en-US" sz="400" dirty="0">
+              <a:gradFill>
+                <a:gsLst>
+                  <a:gs pos="0">
+                    <a:prstClr val="black"/>
+                  </a:gs>
+                  <a:gs pos="100000">
+                    <a:prstClr val="black"/>
+                  </a:gs>
+                </a:gsLst>
+                <a:lin ang="5400000" scaled="0"/>
+              </a:gradFill>
+              <a:latin typeface="Segoe UI" pitchFamily="34" charset="0"/>
+              <a:ea typeface="Segoe UI" pitchFamily="34" charset="0"/>
+              <a:cs typeface="Segoe UI" pitchFamily="34" charset="0"/>
+            </a:endParaRPr>
+          </a:p>
+        </p:txBody>
+      </p:sp>
+      <p:sp>
+        <p:nvSpPr>
+          <p:cNvPr id="6" name="Date Placeholder 5"/>
+          <p:cNvSpPr>
+            <a:spLocks noGrp="1"/>
+          </p:cNvSpPr>
+          <p:nvPr>
+            <p:ph type="dt" idx="12"/>
+          </p:nvPr>
+        </p:nvSpPr>
+        <p:spPr/>
+        <p:txBody>
+          <a:bodyPr/>
+          <a:lstStyle/>
+          <a:p>
+            <a:fld id="{D18B56EA-E28F-4F92-9F16-7A6F2501B303}" type="datetime8">
+              <a:rPr lang="en-US" smtClean="0"/>
+              <a:t>4/30/2022 2:43 PM</a:t>
+            </a:fld>
+            <a:endParaRPr lang="en-US" dirty="0"/>
+          </a:p>
+        </p:txBody>
+      </p:sp>
+      <p:sp>
+        <p:nvSpPr>
+          <p:cNvPr id="7" name="Slide Number Placeholder 6"/>
+          <p:cNvSpPr>
+            <a:spLocks noGrp="1"/>
+          </p:cNvSpPr>
+          <p:nvPr>
+            <p:ph type="sldNum" sz="quarter" idx="13"/>
+          </p:nvPr>
+        </p:nvSpPr>
+        <p:spPr/>
+        <p:txBody>
+          <a:bodyPr/>
+          <a:lstStyle/>
+          <a:p>
+            <a:fld id="{B4008EB6-D09E-4580-8CD6-DDB14511944F}" type="slidenum">
+              <a:rPr lang="en-US" smtClean="0"/>
+              <a:pPr/>
+              <a:t>14</a:t>
             </a:fld>
             <a:endParaRPr lang="en-US" dirty="0"/>
           </a:p>
@@ -1499,7 +1865,7 @@
           <a:p>
             <a:fld id="{D18B56EA-E28F-4F92-9F16-7A6F2501B303}" type="datetime8">
               <a:rPr lang="en-US" smtClean="0"/>
-              <a:t>10/31/2021 2:09 PM</a:t>
+              <a:t>4/30/2022 2:43 PM</a:t>
             </a:fld>
             <a:endParaRPr lang="en-US" dirty="0"/>
           </a:p>
@@ -1740,7 +2106,7 @@
           <a:p>
             <a:fld id="{D18B56EA-E28F-4F92-9F16-7A6F2501B303}" type="datetime8">
               <a:rPr lang="en-US" smtClean="0"/>
-              <a:t>10/31/2021 2:09 PM</a:t>
+              <a:t>4/30/2022 2:43 PM</a:t>
             </a:fld>
             <a:endParaRPr lang="en-US" dirty="0"/>
           </a:p>
@@ -1949,7 +2315,7 @@
           <a:p>
             <a:fld id="{D18B56EA-E28F-4F92-9F16-7A6F2501B303}" type="datetime8">
               <a:rPr lang="en-US" smtClean="0"/>
-              <a:t>10/31/2021 2:09 PM</a:t>
+              <a:t>4/30/2022 2:43 PM</a:t>
             </a:fld>
             <a:endParaRPr lang="en-US" dirty="0"/>
           </a:p>
@@ -2249,7 +2615,7 @@
           <a:p>
             <a:fld id="{D18B56EA-E28F-4F92-9F16-7A6F2501B303}" type="datetime8">
               <a:rPr lang="en-US" smtClean="0"/>
-              <a:t>10/31/2021 2:09 PM</a:t>
+              <a:t>4/30/2022 2:43 PM</a:t>
             </a:fld>
             <a:endParaRPr lang="en-US" dirty="0"/>
           </a:p>
@@ -2518,7 +2884,7 @@
           <a:p>
             <a:fld id="{D18B56EA-E28F-4F92-9F16-7A6F2501B303}" type="datetime8">
               <a:rPr lang="en-US" smtClean="0"/>
-              <a:t>10/31/2021 2:09 PM</a:t>
+              <a:t>4/30/2022 2:43 PM</a:t>
             </a:fld>
             <a:endParaRPr lang="en-US" dirty="0"/>
           </a:p>
@@ -2607,15 +2973,7 @@
           <a:p>
             <a:r>
               <a:rPr lang="en-US" dirty="0"/>
-              <a:t>The deployment of command set extensions is similar to other types of SharePoint Frameworks extensions. The existing SharePoint Feature framework is used to provision command set buttons into a SharePoint environment using the `&lt;</a:t>
-            </a:r>
-            <a:r>
-              <a:rPr lang="en-US" dirty="0" err="1"/>
-              <a:t>CustomAction</a:t>
-            </a:r>
-            <a:r>
-              <a:rPr lang="en-US" dirty="0"/>
-              <a:t>&gt;` element.</a:t>
+              <a:t>The deployment of command set extensions is similar to other types of SharePoint Frameworks extensions. </a:t>
             </a:r>
           </a:p>
           <a:p>
@@ -2624,19 +2982,16 @@
           <a:p>
             <a:r>
               <a:rPr lang="en-US" dirty="0"/>
-              <a:t>SharePoint Framework command set extensions, like application customizers, support tenant wide deployment. This means the presence of the **</a:t>
-            </a:r>
-            <a:r>
-              <a:rPr lang="en-US" dirty="0" err="1"/>
-              <a:t>ClientSideInstance.xml</a:t>
-            </a:r>
-            <a:r>
-              <a:rPr lang="en-US" dirty="0"/>
-              <a:t>** file within your SharePoint package will add an entry to the **Tenant Wide Extensions** list in the tenants **App Catalog** site when the package is deployed.</a:t>
-            </a:r>
-          </a:p>
-          <a:p>
-            <a:endParaRPr lang="en-US" dirty="0"/>
+              <a:t>When tenant wide deployment isn't enabled for the deployed package, the SharePoint Feature framework is used to provision command set buttons into a SharePoint environment using a custom action. The custom action is defined in **./</a:t>
+            </a:r>
+            <a:r>
+              <a:rPr lang="en-US" dirty="0" err="1"/>
+              <a:t>sharepoint</a:t>
+            </a:r>
+            <a:r>
+              <a:rPr lang="en-US" dirty="0"/>
+              <a:t>/assets/elements.xml** file.</a:t>
+            </a:r>
           </a:p>
         </p:txBody>
       </p:sp>
@@ -2734,7 +3089,7 @@
           <a:p>
             <a:fld id="{D18B56EA-E28F-4F92-9F16-7A6F2501B303}" type="datetime8">
               <a:rPr lang="en-US" smtClean="0"/>
-              <a:t>10/31/2021 2:09 PM</a:t>
+              <a:t>4/30/2022 2:43 PM</a:t>
             </a:fld>
             <a:endParaRPr lang="en-US" dirty="0"/>
           </a:p>
@@ -2821,7 +3176,18 @@
           <a:bodyPr/>
           <a:lstStyle/>
           <a:p>
-            <a:endParaRPr lang="en-US"/>
+            <a:r>
+              <a:rPr lang="en-US" dirty="0"/>
+              <a:t>SharePoint Framework command set extensions, like application customizers, support tenant wide deployment. When tenant wide deployment is enabled for the deployed package, the deployment process uses the **ClientSideInstance.xml** file within your SharePoint package to add an entry to the **Tenant Wide Extensions** list in the tenant's **App Catalog** site. The **ClientSideInstance.xml** file can be found in the **./</a:t>
+            </a:r>
+            <a:r>
+              <a:rPr lang="en-US" dirty="0" err="1"/>
+              <a:t>sharepoint</a:t>
+            </a:r>
+            <a:r>
+              <a:rPr lang="en-US" dirty="0"/>
+              <a:t>/assets** folder in your project.</a:t>
+            </a:r>
           </a:p>
         </p:txBody>
       </p:sp>
@@ -2832,7 +3198,7 @@
             <a:spLocks noGrp="1"/>
           </p:cNvSpPr>
           <p:nvPr>
-            <p:ph type="hdr" sz="quarter" idx="10"/>
+            <p:ph type="hdr" sz="quarter"/>
           </p:nvPr>
         </p:nvSpPr>
         <p:spPr/>
@@ -2840,6 +3206,10 @@
           <a:bodyPr/>
           <a:lstStyle/>
           <a:p>
+            <a:r>
+              <a:rPr lang="en-US"/>
+              <a:t>SharePoint Framework</a:t>
+            </a:r>
             <a:endParaRPr lang="en-US" dirty="0"/>
           </a:p>
         </p:txBody>
@@ -2851,7 +3221,7 @@
             <a:spLocks noGrp="1"/>
           </p:cNvSpPr>
           <p:nvPr>
-            <p:ph type="ftr" sz="quarter" idx="11"/>
+            <p:ph type="ftr" sz="quarter" idx="4"/>
           </p:nvPr>
         </p:nvSpPr>
         <p:spPr/>
@@ -2905,7 +3275,7 @@
             <a:spLocks noGrp="1"/>
           </p:cNvSpPr>
           <p:nvPr>
-            <p:ph type="dt" idx="12"/>
+            <p:ph type="dt" idx="1"/>
           </p:nvPr>
         </p:nvSpPr>
         <p:spPr/>
@@ -2915,7 +3285,7 @@
           <a:p>
             <a:fld id="{D18B56EA-E28F-4F92-9F16-7A6F2501B303}" type="datetime8">
               <a:rPr lang="en-US" smtClean="0"/>
-              <a:t>10/31/2021 2:09 PM</a:t>
+              <a:t>4/30/2022 2:44 PM</a:t>
             </a:fld>
             <a:endParaRPr lang="en-US" dirty="0"/>
           </a:p>
@@ -2928,7 +3298,7 @@
             <a:spLocks noGrp="1"/>
           </p:cNvSpPr>
           <p:nvPr>
-            <p:ph type="sldNum" sz="quarter" idx="13"/>
+            <p:ph type="sldNum" sz="quarter" idx="5"/>
           </p:nvPr>
         </p:nvSpPr>
         <p:spPr/>
@@ -2948,7 +3318,7 @@
     </p:spTree>
     <p:extLst>
       <p:ext uri="{BB962C8B-B14F-4D97-AF65-F5344CB8AC3E}">
-        <p14:creationId xmlns:p14="http://schemas.microsoft.com/office/powerpoint/2010/main" val="2593812498"/>
+        <p14:creationId xmlns:p14="http://schemas.microsoft.com/office/powerpoint/2010/main" val="705484149"/>
       </p:ext>
     </p:extLst>
   </p:cSld>
@@ -3002,7 +3372,18 @@
           <a:bodyPr/>
           <a:lstStyle/>
           <a:p>
-            <a:endParaRPr lang="en-US" dirty="0"/>
+            <a:r>
+              <a:rPr lang="en-US" dirty="0"/>
+              <a:t>SharePoint Framework command set extensions, like application customizers, support tenant wide deployment. When tenant wide deployment is enabled for the deployed package, the deployment process uses the **ClientSideInstance.xml** file within your SharePoint package to add an entry to the **Tenant Wide Extensions** list in the tenant's **App Catalog** site. The **ClientSideInstance.xml** file can be found in the **./</a:t>
+            </a:r>
+            <a:r>
+              <a:rPr lang="en-US" dirty="0" err="1"/>
+              <a:t>sharepoint</a:t>
+            </a:r>
+            <a:r>
+              <a:rPr lang="en-US" dirty="0"/>
+              <a:t>/assets** folder in your project.</a:t>
+            </a:r>
           </a:p>
         </p:txBody>
       </p:sp>
@@ -3013,7 +3394,7 @@
             <a:spLocks noGrp="1"/>
           </p:cNvSpPr>
           <p:nvPr>
-            <p:ph type="hdr" sz="quarter" idx="10"/>
+            <p:ph type="hdr" sz="quarter"/>
           </p:nvPr>
         </p:nvSpPr>
         <p:spPr/>
@@ -3021,6 +3402,10 @@
           <a:bodyPr/>
           <a:lstStyle/>
           <a:p>
+            <a:r>
+              <a:rPr lang="en-US"/>
+              <a:t>SharePoint Framework</a:t>
+            </a:r>
             <a:endParaRPr lang="en-US" dirty="0"/>
           </a:p>
         </p:txBody>
@@ -3032,7 +3417,7 @@
             <a:spLocks noGrp="1"/>
           </p:cNvSpPr>
           <p:nvPr>
-            <p:ph type="ftr" sz="quarter" idx="11"/>
+            <p:ph type="ftr" sz="quarter" idx="4"/>
           </p:nvPr>
         </p:nvSpPr>
         <p:spPr/>
@@ -3086,7 +3471,7 @@
             <a:spLocks noGrp="1"/>
           </p:cNvSpPr>
           <p:nvPr>
-            <p:ph type="dt" idx="12"/>
+            <p:ph type="dt" idx="1"/>
           </p:nvPr>
         </p:nvSpPr>
         <p:spPr/>
@@ -3096,7 +3481,7 @@
           <a:p>
             <a:fld id="{D18B56EA-E28F-4F92-9F16-7A6F2501B303}" type="datetime8">
               <a:rPr lang="en-US" smtClean="0"/>
-              <a:t>10/31/2021 2:09 PM</a:t>
+              <a:t>4/30/2022 3:02 PM</a:t>
             </a:fld>
             <a:endParaRPr lang="en-US" dirty="0"/>
           </a:p>
@@ -3109,7 +3494,7 @@
             <a:spLocks noGrp="1"/>
           </p:cNvSpPr>
           <p:nvPr>
-            <p:ph type="sldNum" sz="quarter" idx="13"/>
+            <p:ph type="sldNum" sz="quarter" idx="5"/>
           </p:nvPr>
         </p:nvSpPr>
         <p:spPr/>
@@ -3120,7 +3505,7 @@
             <a:fld id="{B4008EB6-D09E-4580-8CD6-DDB14511944F}" type="slidenum">
               <a:rPr lang="en-US" smtClean="0"/>
               <a:pPr/>
-              <a:t>10</a:t>
+              <a:t>9</a:t>
             </a:fld>
             <a:endParaRPr lang="en-US" dirty="0"/>
           </a:p>
@@ -3129,7 +3514,7 @@
     </p:spTree>
     <p:extLst>
       <p:ext uri="{BB962C8B-B14F-4D97-AF65-F5344CB8AC3E}">
-        <p14:creationId xmlns:p14="http://schemas.microsoft.com/office/powerpoint/2010/main" val="3282806226"/>
+        <p14:creationId xmlns:p14="http://schemas.microsoft.com/office/powerpoint/2010/main" val="3958341472"/>
       </p:ext>
     </p:extLst>
   </p:cSld>
@@ -15906,6 +16291,560 @@
       </p:grpSpPr>
       <p:sp>
         <p:nvSpPr>
+          <p:cNvPr id="2" name="Title 1"/>
+          <p:cNvSpPr>
+            <a:spLocks noGrp="1"/>
+          </p:cNvSpPr>
+          <p:nvPr>
+            <p:ph type="title"/>
+          </p:nvPr>
+        </p:nvSpPr>
+        <p:spPr/>
+        <p:txBody>
+          <a:bodyPr/>
+          <a:lstStyle/>
+          <a:p>
+            <a:r>
+              <a:rPr lang="en-US" dirty="0"/>
+              <a:t>Demo</a:t>
+            </a:r>
+            <a:br>
+              <a:rPr lang="en-US" dirty="0"/>
+            </a:br>
+            <a:r>
+              <a:rPr lang="en-US" sz="2400" dirty="0"/>
+              <a:t>Creating SharePoint Framework List View Command Sets</a:t>
+            </a:r>
+            <a:endParaRPr lang="en-US" dirty="0"/>
+          </a:p>
+        </p:txBody>
+      </p:sp>
+    </p:spTree>
+    <p:extLst>
+      <p:ext uri="{BB962C8B-B14F-4D97-AF65-F5344CB8AC3E}">
+        <p14:creationId xmlns:p14="http://schemas.microsoft.com/office/powerpoint/2010/main" val="136376238"/>
+      </p:ext>
+    </p:extLst>
+  </p:cSld>
+  <p:clrMapOvr>
+    <a:masterClrMapping/>
+  </p:clrMapOvr>
+  <p:transition>
+    <p:fade/>
+  </p:transition>
+</p:sld>
+</file>
+
+<file path=ppt/slides/slide11.xml><?xml version="1.0" encoding="utf-8"?>
+<p:sld xmlns:a="http://schemas.openxmlformats.org/drawingml/2006/main" xmlns:r="http://schemas.openxmlformats.org/officeDocument/2006/relationships" xmlns:p="http://schemas.openxmlformats.org/presentationml/2006/main">
+  <p:cSld>
+    <p:spTree>
+      <p:nvGrpSpPr>
+        <p:cNvPr id="1" name=""/>
+        <p:cNvGrpSpPr/>
+        <p:nvPr/>
+      </p:nvGrpSpPr>
+      <p:grpSpPr>
+        <a:xfrm>
+          <a:off x="0" y="0"/>
+          <a:ext cx="0" cy="0"/>
+          <a:chOff x="0" y="0"/>
+          <a:chExt cx="0" cy="0"/>
+        </a:xfrm>
+      </p:grpSpPr>
+      <p:pic>
+        <p:nvPicPr>
+          <p:cNvPr id="5" name="Picture 4" descr="A group of people sitting at a table&#10;&#10;Description generated with high confidence">
+            <a:extLst>
+              <a:ext uri="{FF2B5EF4-FFF2-40B4-BE49-F238E27FC236}">
+                <a16:creationId xmlns:a16="http://schemas.microsoft.com/office/drawing/2014/main" id="{D2306968-4303-2646-8585-0AC3A60408F7}"/>
+              </a:ext>
+            </a:extLst>
+          </p:cNvPr>
+          <p:cNvPicPr>
+            <a:picLocks noChangeAspect="1"/>
+          </p:cNvPicPr>
+          <p:nvPr/>
+        </p:nvPicPr>
+        <p:blipFill rotWithShape="1">
+          <a:blip r:embed="rId2" cstate="screen">
+            <a:extLst>
+              <a:ext uri="{28A0092B-C50C-407E-A947-70E740481C1C}">
+                <a14:useLocalDpi xmlns:a14="http://schemas.microsoft.com/office/drawing/2010/main"/>
+              </a:ext>
+            </a:extLst>
+          </a:blip>
+          <a:srcRect l="-2"/>
+          <a:stretch/>
+        </p:blipFill>
+        <p:spPr>
+          <a:xfrm flipH="1">
+            <a:off x="1943100" y="0"/>
+            <a:ext cx="10493376" cy="6994525"/>
+          </a:xfrm>
+          <a:prstGeom prst="rect">
+            <a:avLst/>
+          </a:prstGeom>
+        </p:spPr>
+      </p:pic>
+      <p:sp>
+        <p:nvSpPr>
+          <p:cNvPr id="6" name="Rectangle 5">
+            <a:extLst>
+              <a:ext uri="{FF2B5EF4-FFF2-40B4-BE49-F238E27FC236}">
+                <a16:creationId xmlns:a16="http://schemas.microsoft.com/office/drawing/2014/main" id="{983A2655-A41F-244A-9475-FD805B4A5770}"/>
+              </a:ext>
+            </a:extLst>
+          </p:cNvPr>
+          <p:cNvSpPr/>
+          <p:nvPr/>
+        </p:nvSpPr>
+        <p:spPr bwMode="auto">
+          <a:xfrm>
+            <a:off x="0" y="0"/>
+            <a:ext cx="10048876" cy="6994525"/>
+          </a:xfrm>
+          <a:prstGeom prst="rect">
+            <a:avLst/>
+          </a:prstGeom>
+          <a:gradFill flip="none" rotWithShape="1">
+            <a:gsLst>
+              <a:gs pos="0">
+                <a:schemeClr val="accent1">
+                  <a:lumMod val="5000"/>
+                  <a:lumOff val="95000"/>
+                  <a:alpha val="0"/>
+                </a:schemeClr>
+              </a:gs>
+              <a:gs pos="59000">
+                <a:schemeClr val="bg1"/>
+              </a:gs>
+              <a:gs pos="100000">
+                <a:schemeClr val="bg1"/>
+              </a:gs>
+            </a:gsLst>
+            <a:lin ang="10800000" scaled="0"/>
+            <a:tileRect/>
+          </a:gradFill>
+          <a:ln>
+            <a:noFill/>
+            <a:headEnd type="none" w="med" len="med"/>
+            <a:tailEnd type="none" w="med" len="med"/>
+          </a:ln>
+          <a:effectLst/>
+        </p:spPr>
+        <p:style>
+          <a:lnRef idx="1">
+            <a:schemeClr val="accent2"/>
+          </a:lnRef>
+          <a:fillRef idx="3">
+            <a:schemeClr val="accent2"/>
+          </a:fillRef>
+          <a:effectRef idx="2">
+            <a:schemeClr val="accent2"/>
+          </a:effectRef>
+          <a:fontRef idx="minor">
+            <a:schemeClr val="lt1"/>
+          </a:fontRef>
+        </p:style>
+        <p:txBody>
+          <a:bodyPr rot="0" spcFirstLastPara="0" vertOverflow="overflow" horzOverflow="overflow" vert="horz" wrap="square" lIns="182880" tIns="146304" rIns="182880" bIns="146304" numCol="1" spcCol="0" rtlCol="0" fromWordArt="0" anchor="t" anchorCtr="0" forceAA="0" compatLnSpc="1">
+            <a:prstTxWarp prst="textNoShape">
+              <a:avLst/>
+            </a:prstTxWarp>
+            <a:noAutofit/>
+          </a:bodyPr>
+          <a:lstStyle/>
+          <a:p>
+            <a:pPr algn="ctr" defTabSz="932472" fontAlgn="base">
+              <a:lnSpc>
+                <a:spcPct val="90000"/>
+              </a:lnSpc>
+              <a:spcBef>
+                <a:spcPct val="0"/>
+              </a:spcBef>
+              <a:spcAft>
+                <a:spcPct val="0"/>
+              </a:spcAft>
+            </a:pPr>
+            <a:endParaRPr lang="en-US" sz="2400" err="1">
+              <a:gradFill>
+                <a:gsLst>
+                  <a:gs pos="0">
+                    <a:srgbClr val="FFFFFF"/>
+                  </a:gs>
+                  <a:gs pos="100000">
+                    <a:srgbClr val="FFFFFF"/>
+                  </a:gs>
+                </a:gsLst>
+                <a:lin ang="5400000" scaled="0"/>
+              </a:gradFill>
+              <a:ea typeface="Segoe UI" pitchFamily="34" charset="0"/>
+              <a:cs typeface="Segoe UI" pitchFamily="34" charset="0"/>
+            </a:endParaRPr>
+          </a:p>
+        </p:txBody>
+      </p:sp>
+      <p:sp>
+        <p:nvSpPr>
+          <p:cNvPr id="4" name="Title 3">
+            <a:extLst>
+              <a:ext uri="{FF2B5EF4-FFF2-40B4-BE49-F238E27FC236}">
+                <a16:creationId xmlns:a16="http://schemas.microsoft.com/office/drawing/2014/main" id="{8047349F-0B8F-4D12-A39C-718C1C57DDFF}"/>
+              </a:ext>
+            </a:extLst>
+          </p:cNvPr>
+          <p:cNvSpPr>
+            <a:spLocks noGrp="1"/>
+          </p:cNvSpPr>
+          <p:nvPr>
+            <p:ph type="title"/>
+          </p:nvPr>
+        </p:nvSpPr>
+        <p:spPr>
+          <a:xfrm>
+            <a:off x="465138" y="1843063"/>
+            <a:ext cx="11533187" cy="411162"/>
+          </a:xfrm>
+        </p:spPr>
+        <p:txBody>
+          <a:bodyPr/>
+          <a:lstStyle/>
+          <a:p>
+            <a:r>
+              <a:rPr lang="en-US" dirty="0"/>
+              <a:t>Summary</a:t>
+            </a:r>
+          </a:p>
+        </p:txBody>
+      </p:sp>
+      <p:sp>
+        <p:nvSpPr>
+          <p:cNvPr id="10" name="Text Placeholder 6">
+            <a:extLst>
+              <a:ext uri="{FF2B5EF4-FFF2-40B4-BE49-F238E27FC236}">
+                <a16:creationId xmlns:a16="http://schemas.microsoft.com/office/drawing/2014/main" id="{61D48218-75E0-4C6C-BFA7-A1010BADED35}"/>
+              </a:ext>
+            </a:extLst>
+          </p:cNvPr>
+          <p:cNvSpPr txBox="1">
+            <a:spLocks/>
+          </p:cNvSpPr>
+          <p:nvPr/>
+        </p:nvSpPr>
+        <p:spPr>
+          <a:xfrm>
+            <a:off x="465139" y="2621905"/>
+            <a:ext cx="4234184" cy="1126462"/>
+          </a:xfrm>
+          <a:prstGeom prst="rect">
+            <a:avLst/>
+          </a:prstGeom>
+        </p:spPr>
+        <p:txBody>
+          <a:bodyPr vert="horz" wrap="square" lIns="0" tIns="0" rIns="0" bIns="0" rtlCol="0">
+            <a:spAutoFit/>
+          </a:bodyPr>
+          <a:lstStyle>
+            <a:lvl1pPr marL="0" marR="0" indent="0" algn="l" defTabSz="932742" rtl="0" eaLnBrk="1" fontAlgn="auto" latinLnBrk="0" hangingPunct="1">
+              <a:lnSpc>
+                <a:spcPts val="1800"/>
+              </a:lnSpc>
+              <a:spcBef>
+                <a:spcPts val="0"/>
+              </a:spcBef>
+              <a:spcAft>
+                <a:spcPts val="0"/>
+              </a:spcAft>
+              <a:buClrTx/>
+              <a:buSzPct val="90000"/>
+              <a:buFont typeface="Wingdings" panose="05000000000000000000" pitchFamily="2" charset="2"/>
+              <a:buNone/>
+              <a:tabLst/>
+              <a:defRPr sz="1400" b="1" kern="1200" spc="0" baseline="0">
+                <a:solidFill>
+                  <a:schemeClr val="tx1"/>
+                </a:solidFill>
+                <a:latin typeface="+mn-lt"/>
+                <a:ea typeface="+mn-ea"/>
+                <a:cs typeface="+mn-cs"/>
+              </a:defRPr>
+            </a:lvl1pPr>
+            <a:lvl2pPr marL="0" marR="0" indent="0" algn="l" defTabSz="932742" rtl="0" eaLnBrk="1" fontAlgn="auto" latinLnBrk="0" hangingPunct="1">
+              <a:lnSpc>
+                <a:spcPts val="1800"/>
+              </a:lnSpc>
+              <a:spcBef>
+                <a:spcPts val="0"/>
+              </a:spcBef>
+              <a:spcAft>
+                <a:spcPts val="0"/>
+              </a:spcAft>
+              <a:buClrTx/>
+              <a:buSzPct val="90000"/>
+              <a:buFont typeface="Wingdings" panose="05000000000000000000" pitchFamily="2" charset="2"/>
+              <a:buNone/>
+              <a:tabLst/>
+              <a:defRPr sz="1400" kern="1200" spc="0" baseline="0">
+                <a:solidFill>
+                  <a:schemeClr val="tx1"/>
+                </a:solidFill>
+                <a:latin typeface="+mn-lt"/>
+                <a:ea typeface="+mn-ea"/>
+                <a:cs typeface="+mn-cs"/>
+              </a:defRPr>
+            </a:lvl2pPr>
+            <a:lvl3pPr marL="457200" marR="0" indent="0" algn="l" defTabSz="932742" rtl="0" eaLnBrk="1" fontAlgn="auto" latinLnBrk="0" hangingPunct="1">
+              <a:lnSpc>
+                <a:spcPct val="90000"/>
+              </a:lnSpc>
+              <a:spcBef>
+                <a:spcPct val="20000"/>
+              </a:spcBef>
+              <a:spcAft>
+                <a:spcPts val="0"/>
+              </a:spcAft>
+              <a:buClrTx/>
+              <a:buSzPct val="90000"/>
+              <a:buFont typeface="Wingdings" panose="05000000000000000000" pitchFamily="2" charset="2"/>
+              <a:buNone/>
+              <a:tabLst/>
+              <a:defRPr sz="2400" kern="1200" spc="0" baseline="0">
+                <a:gradFill>
+                  <a:gsLst>
+                    <a:gs pos="1250">
+                      <a:schemeClr val="tx1"/>
+                    </a:gs>
+                    <a:gs pos="100000">
+                      <a:schemeClr val="tx1"/>
+                    </a:gs>
+                  </a:gsLst>
+                  <a:lin ang="5400000" scaled="0"/>
+                </a:gradFill>
+                <a:latin typeface="+mn-lt"/>
+                <a:ea typeface="+mn-ea"/>
+                <a:cs typeface="+mn-cs"/>
+              </a:defRPr>
+            </a:lvl3pPr>
+            <a:lvl4pPr marL="685800" marR="0" indent="0" algn="l" defTabSz="932742" rtl="0" eaLnBrk="1" fontAlgn="auto" latinLnBrk="0" hangingPunct="1">
+              <a:lnSpc>
+                <a:spcPct val="90000"/>
+              </a:lnSpc>
+              <a:spcBef>
+                <a:spcPct val="20000"/>
+              </a:spcBef>
+              <a:spcAft>
+                <a:spcPts val="0"/>
+              </a:spcAft>
+              <a:buClrTx/>
+              <a:buSzPct val="90000"/>
+              <a:buFont typeface="Wingdings" panose="05000000000000000000" pitchFamily="2" charset="2"/>
+              <a:buNone/>
+              <a:tabLst/>
+              <a:defRPr sz="2200" kern="1200" spc="0" baseline="0">
+                <a:gradFill>
+                  <a:gsLst>
+                    <a:gs pos="1250">
+                      <a:schemeClr val="tx1"/>
+                    </a:gs>
+                    <a:gs pos="100000">
+                      <a:schemeClr val="tx1"/>
+                    </a:gs>
+                  </a:gsLst>
+                  <a:lin ang="5400000" scaled="0"/>
+                </a:gradFill>
+                <a:latin typeface="+mn-lt"/>
+                <a:ea typeface="+mn-ea"/>
+                <a:cs typeface="+mn-cs"/>
+              </a:defRPr>
+            </a:lvl4pPr>
+            <a:lvl5pPr marL="914400" marR="0" indent="0" algn="l" defTabSz="932742" rtl="0" eaLnBrk="1" fontAlgn="auto" latinLnBrk="0" hangingPunct="1">
+              <a:lnSpc>
+                <a:spcPct val="90000"/>
+              </a:lnSpc>
+              <a:spcBef>
+                <a:spcPct val="20000"/>
+              </a:spcBef>
+              <a:spcAft>
+                <a:spcPts val="0"/>
+              </a:spcAft>
+              <a:buClrTx/>
+              <a:buSzPct val="90000"/>
+              <a:buFont typeface="Wingdings" panose="05000000000000000000" pitchFamily="2" charset="2"/>
+              <a:buNone/>
+              <a:tabLst/>
+              <a:defRPr sz="2200" kern="1200" spc="0" baseline="0">
+                <a:gradFill>
+                  <a:gsLst>
+                    <a:gs pos="1250">
+                      <a:schemeClr val="tx1"/>
+                    </a:gs>
+                    <a:gs pos="100000">
+                      <a:schemeClr val="tx1"/>
+                    </a:gs>
+                  </a:gsLst>
+                  <a:lin ang="5400000" scaled="0"/>
+                </a:gradFill>
+                <a:latin typeface="+mn-lt"/>
+                <a:ea typeface="+mn-ea"/>
+                <a:cs typeface="+mn-cs"/>
+              </a:defRPr>
+            </a:lvl5pPr>
+            <a:lvl6pPr marL="2565040" indent="-233186" algn="l" defTabSz="932742" rtl="0" eaLnBrk="1" latinLnBrk="0" hangingPunct="1">
+              <a:spcBef>
+                <a:spcPct val="20000"/>
+              </a:spcBef>
+              <a:buFont typeface="Arial" pitchFamily="34" charset="0"/>
+              <a:buChar char="•"/>
+              <a:defRPr sz="2000" kern="1200">
+                <a:solidFill>
+                  <a:schemeClr val="tx1"/>
+                </a:solidFill>
+                <a:latin typeface="+mn-lt"/>
+                <a:ea typeface="+mn-ea"/>
+                <a:cs typeface="+mn-cs"/>
+              </a:defRPr>
+            </a:lvl6pPr>
+            <a:lvl7pPr marL="3031412" indent="-233186" algn="l" defTabSz="932742" rtl="0" eaLnBrk="1" latinLnBrk="0" hangingPunct="1">
+              <a:spcBef>
+                <a:spcPct val="20000"/>
+              </a:spcBef>
+              <a:buFont typeface="Arial" pitchFamily="34" charset="0"/>
+              <a:buChar char="•"/>
+              <a:defRPr sz="2000" kern="1200">
+                <a:solidFill>
+                  <a:schemeClr val="tx1"/>
+                </a:solidFill>
+                <a:latin typeface="+mn-lt"/>
+                <a:ea typeface="+mn-ea"/>
+                <a:cs typeface="+mn-cs"/>
+              </a:defRPr>
+            </a:lvl7pPr>
+            <a:lvl8pPr marL="3497783" indent="-233186" algn="l" defTabSz="932742" rtl="0" eaLnBrk="1" latinLnBrk="0" hangingPunct="1">
+              <a:spcBef>
+                <a:spcPct val="20000"/>
+              </a:spcBef>
+              <a:buFont typeface="Arial" pitchFamily="34" charset="0"/>
+              <a:buChar char="•"/>
+              <a:defRPr sz="2000" kern="1200">
+                <a:solidFill>
+                  <a:schemeClr val="tx1"/>
+                </a:solidFill>
+                <a:latin typeface="+mn-lt"/>
+                <a:ea typeface="+mn-ea"/>
+                <a:cs typeface="+mn-cs"/>
+              </a:defRPr>
+            </a:lvl8pPr>
+            <a:lvl9pPr marL="3964155" indent="-233186" algn="l" defTabSz="932742" rtl="0" eaLnBrk="1" latinLnBrk="0" hangingPunct="1">
+              <a:spcBef>
+                <a:spcPct val="20000"/>
+              </a:spcBef>
+              <a:buFont typeface="Arial" pitchFamily="34" charset="0"/>
+              <a:buChar char="•"/>
+              <a:defRPr sz="2000" kern="1200">
+                <a:solidFill>
+                  <a:schemeClr val="tx1"/>
+                </a:solidFill>
+                <a:latin typeface="+mn-lt"/>
+                <a:ea typeface="+mn-ea"/>
+                <a:cs typeface="+mn-cs"/>
+              </a:defRPr>
+            </a:lvl9pPr>
+          </a:lstStyle>
+          <a:p>
+            <a:pPr lvl="0">
+              <a:lnSpc>
+                <a:spcPct val="90000"/>
+              </a:lnSpc>
+              <a:spcBef>
+                <a:spcPts val="1800"/>
+              </a:spcBef>
+            </a:pPr>
+            <a:r>
+              <a:rPr lang="en-US" sz="1600" b="0" dirty="0">
+                <a:solidFill>
+                  <a:srgbClr val="2F2F2F"/>
+                </a:solidFill>
+                <a:latin typeface="Segoe UI Semibold"/>
+              </a:rPr>
+              <a:t>Overview</a:t>
+            </a:r>
+          </a:p>
+          <a:p>
+            <a:pPr lvl="0">
+              <a:lnSpc>
+                <a:spcPct val="90000"/>
+              </a:lnSpc>
+              <a:spcBef>
+                <a:spcPts val="1800"/>
+              </a:spcBef>
+            </a:pPr>
+            <a:r>
+              <a:rPr lang="en-US" sz="1600" b="0" dirty="0">
+                <a:solidFill>
+                  <a:srgbClr val="2F2F2F"/>
+                </a:solidFill>
+                <a:latin typeface="Segoe UI Semibold"/>
+              </a:rPr>
+              <a:t>Debugging &amp; Testing</a:t>
+            </a:r>
+          </a:p>
+          <a:p>
+            <a:pPr lvl="0">
+              <a:lnSpc>
+                <a:spcPct val="90000"/>
+              </a:lnSpc>
+              <a:spcBef>
+                <a:spcPts val="1800"/>
+              </a:spcBef>
+            </a:pPr>
+            <a:r>
+              <a:rPr lang="en-US" sz="1600" b="0" dirty="0">
+                <a:solidFill>
+                  <a:srgbClr val="2F2F2F"/>
+                </a:solidFill>
+                <a:latin typeface="Segoe UI Semibold"/>
+              </a:rPr>
+              <a:t>Deploying</a:t>
+            </a:r>
+          </a:p>
+        </p:txBody>
+      </p:sp>
+    </p:spTree>
+    <p:extLst>
+      <p:ext uri="{BB962C8B-B14F-4D97-AF65-F5344CB8AC3E}">
+        <p14:creationId xmlns:p14="http://schemas.microsoft.com/office/powerpoint/2010/main" val="2897804118"/>
+      </p:ext>
+    </p:extLst>
+  </p:cSld>
+  <p:clrMapOvr>
+    <a:masterClrMapping/>
+  </p:clrMapOvr>
+  <p:transition>
+    <p:fade/>
+  </p:transition>
+</p:sld>
+</file>
+
+<file path=ppt/slides/slide12.xml><?xml version="1.0" encoding="utf-8"?>
+<p:sld xmlns:a="http://schemas.openxmlformats.org/drawingml/2006/main" xmlns:r="http://schemas.openxmlformats.org/officeDocument/2006/relationships" xmlns:p="http://schemas.openxmlformats.org/presentationml/2006/main">
+  <p:cSld>
+    <p:spTree>
+      <p:nvGrpSpPr>
+        <p:cNvPr id="1" name=""/>
+        <p:cNvGrpSpPr/>
+        <p:nvPr/>
+      </p:nvGrpSpPr>
+      <p:grpSpPr>
+        <a:xfrm>
+          <a:off x="0" y="0"/>
+          <a:ext cx="0" cy="0"/>
+          <a:chOff x="0" y="0"/>
+          <a:chExt cx="0" cy="0"/>
+        </a:xfrm>
+      </p:grpSpPr>
+      <p:sp>
+        <p:nvSpPr>
           <p:cNvPr id="4" name="Rectangle 3">
             <a:extLst>
               <a:ext uri="{FF2B5EF4-FFF2-40B4-BE49-F238E27FC236}">
@@ -16229,7 +17168,7 @@
 </p:sld>
 </file>
 
-<file path=ppt/slides/slide11.xml><?xml version="1.0" encoding="utf-8"?>
+<file path=ppt/slides/slide13.xml><?xml version="1.0" encoding="utf-8"?>
 <p:sld xmlns:a="http://schemas.openxmlformats.org/drawingml/2006/main" xmlns:r="http://schemas.openxmlformats.org/officeDocument/2006/relationships" xmlns:p="http://schemas.openxmlformats.org/presentationml/2006/main">
   <p:cSld>
     <p:spTree>
@@ -16293,7 +17232,7 @@
 </p:sld>
 </file>
 
-<file path=ppt/slides/slide12.xml><?xml version="1.0" encoding="utf-8"?>
+<file path=ppt/slides/slide14.xml><?xml version="1.0" encoding="utf-8"?>
 <p:sld xmlns:a="http://schemas.openxmlformats.org/drawingml/2006/main" xmlns:r="http://schemas.openxmlformats.org/officeDocument/2006/relationships" xmlns:p="http://schemas.openxmlformats.org/presentationml/2006/main">
   <p:cSld>
     <p:spTree>
@@ -17468,7 +18407,7 @@
         <p:spPr>
           <a:xfrm>
             <a:off x="274638" y="1212850"/>
-            <a:ext cx="11887200" cy="3056221"/>
+            <a:ext cx="11887200" cy="3157788"/>
           </a:xfrm>
         </p:spPr>
         <p:txBody>
@@ -17477,68 +18416,47 @@
           <a:p>
             <a:r>
               <a:rPr lang="en-US" dirty="0"/>
-              <a:t>Extension deployment utilizes existing Feature framework</a:t>
+              <a:t>Extension deployment utilizes SharePoint Feature framework </a:t>
+            </a:r>
+          </a:p>
+          <a:p>
+            <a:endParaRPr lang="en-US" dirty="0"/>
+          </a:p>
+          <a:p>
+            <a:r>
+              <a:rPr lang="en-US" dirty="0"/>
+              <a:t>Command set buttons provisioned using a custom action defined in elements.xml</a:t>
+            </a:r>
+            <a:endParaRPr lang="en-US" dirty="0">
+              <a:latin typeface="Courier New" panose="02070309020205020404" pitchFamily="49" charset="0"/>
+              <a:cs typeface="Courier New" panose="02070309020205020404" pitchFamily="49" charset="0"/>
+            </a:endParaRPr>
+          </a:p>
+          <a:p>
+            <a:endParaRPr lang="en-US" dirty="0"/>
+          </a:p>
+          <a:p>
+            <a:r>
+              <a:rPr lang="en-US" dirty="0"/>
+              <a:t>Deployment similar to web parts</a:t>
             </a:r>
           </a:p>
           <a:p>
             <a:pPr lvl="1"/>
             <a:r>
               <a:rPr lang="en-US" dirty="0"/>
-              <a:t>Command set: </a:t>
-            </a:r>
-            <a:r>
-              <a:rPr lang="en-US" dirty="0">
-                <a:latin typeface="Courier New" panose="02070309020205020404" pitchFamily="49" charset="0"/>
-                <a:cs typeface="Courier New" panose="02070309020205020404" pitchFamily="49" charset="0"/>
-              </a:rPr>
-              <a:t>&lt;</a:t>
-            </a:r>
-            <a:r>
-              <a:rPr lang="en-US" dirty="0" err="1">
-                <a:latin typeface="Courier New" panose="02070309020205020404" pitchFamily="49" charset="0"/>
-                <a:cs typeface="Courier New" panose="02070309020205020404" pitchFamily="49" charset="0"/>
-              </a:rPr>
-              <a:t>CustomAction</a:t>
-            </a:r>
-            <a:r>
-              <a:rPr lang="en-US" dirty="0">
-                <a:latin typeface="Courier New" panose="02070309020205020404" pitchFamily="49" charset="0"/>
-                <a:cs typeface="Courier New" panose="02070309020205020404" pitchFamily="49" charset="0"/>
-              </a:rPr>
-              <a:t>&gt;</a:t>
+              <a:t>Upload SharePoint Package to tenant / site collection app catalog</a:t>
+            </a:r>
+          </a:p>
+          <a:p>
+            <a:pPr lvl="1"/>
+            <a:r>
+              <a:rPr lang="en-US" dirty="0"/>
+              <a:t>Install app</a:t>
             </a:r>
           </a:p>
           <a:p>
             <a:endParaRPr lang="en-US" dirty="0"/>
-          </a:p>
-          <a:p>
-            <a:r>
-              <a:rPr lang="en-US" dirty="0"/>
-              <a:t>Deployment similar to web parts</a:t>
-            </a:r>
-          </a:p>
-          <a:p>
-            <a:pPr lvl="1"/>
-            <a:r>
-              <a:rPr lang="en-US" dirty="0"/>
-              <a:t>Upload SharePoint Package to tenant / site collection app catalog</a:t>
-            </a:r>
-          </a:p>
-          <a:p>
-            <a:pPr lvl="1"/>
-            <a:r>
-              <a:rPr lang="en-US" dirty="0"/>
-              <a:t>Install app</a:t>
-            </a:r>
-          </a:p>
-          <a:p>
-            <a:endParaRPr lang="en-US" dirty="0"/>
-          </a:p>
-          <a:p>
-            <a:r>
-              <a:rPr lang="en-US" dirty="0"/>
-              <a:t>Some extensions type support tenant-wide deployment</a:t>
-            </a:r>
           </a:p>
         </p:txBody>
       </p:sp>
@@ -17570,6 +18488,36 @@
           </a:p>
         </p:txBody>
       </p:sp>
+      <p:pic>
+        <p:nvPicPr>
+          <p:cNvPr id="5" name="Picture 4">
+            <a:extLst>
+              <a:ext uri="{FF2B5EF4-FFF2-40B4-BE49-F238E27FC236}">
+                <a16:creationId xmlns:a16="http://schemas.microsoft.com/office/drawing/2014/main" id="{4AB1B74F-2A3F-A0BE-25EF-DE97C60999C8}"/>
+              </a:ext>
+            </a:extLst>
+          </p:cNvPr>
+          <p:cNvPicPr>
+            <a:picLocks noChangeAspect="1"/>
+          </p:cNvPicPr>
+          <p:nvPr/>
+        </p:nvPicPr>
+        <p:blipFill>
+          <a:blip r:embed="rId3"/>
+          <a:stretch>
+            <a:fillRect/>
+          </a:stretch>
+        </p:blipFill>
+        <p:spPr>
+          <a:xfrm>
+            <a:off x="2167975" y="4150596"/>
+            <a:ext cx="8100524" cy="2502672"/>
+          </a:xfrm>
+          <a:prstGeom prst="rect">
+            <a:avLst/>
+          </a:prstGeom>
+        </p:spPr>
+      </p:pic>
     </p:spTree>
     <p:extLst>
       <p:ext uri="{BB962C8B-B14F-4D97-AF65-F5344CB8AC3E}">
@@ -17605,38 +18553,150 @@
       </p:grpSpPr>
       <p:sp>
         <p:nvSpPr>
-          <p:cNvPr id="2" name="Title 1"/>
+          <p:cNvPr id="2" name="Text Placeholder 1">
+            <a:extLst>
+              <a:ext uri="{FF2B5EF4-FFF2-40B4-BE49-F238E27FC236}">
+                <a16:creationId xmlns:a16="http://schemas.microsoft.com/office/drawing/2014/main" id="{7C877E54-8532-BC4D-BE22-ED396111B657}"/>
+              </a:ext>
+            </a:extLst>
+          </p:cNvPr>
           <p:cNvSpPr>
             <a:spLocks noGrp="1"/>
           </p:cNvSpPr>
           <p:nvPr>
-            <p:ph type="title"/>
-          </p:nvPr>
-        </p:nvSpPr>
-        <p:spPr/>
+            <p:ph type="body" sz="quarter" idx="10"/>
+          </p:nvPr>
+        </p:nvSpPr>
+        <p:spPr>
+          <a:xfrm>
+            <a:off x="274638" y="1212850"/>
+            <a:ext cx="11887200" cy="2446824"/>
+          </a:xfrm>
+        </p:spPr>
         <p:txBody>
           <a:bodyPr/>
           <a:lstStyle/>
           <a:p>
             <a:r>
               <a:rPr lang="en-US" dirty="0"/>
-              <a:t>Demo</a:t>
-            </a:r>
-            <a:br>
-              <a:rPr lang="en-US" dirty="0"/>
-            </a:br>
-            <a:r>
-              <a:rPr lang="en-US" sz="2400" dirty="0"/>
-              <a:t>Creating SharePoint Framework List View Command Sets</a:t>
-            </a:r>
+              <a:t>Command set extensions support tenant wide deployment</a:t>
+            </a:r>
+          </a:p>
+          <a:p>
             <a:endParaRPr lang="en-US" dirty="0"/>
           </a:p>
-        </p:txBody>
-      </p:sp>
+          <a:p>
+            <a:r>
+              <a:rPr lang="en-US" dirty="0"/>
+              <a:t>Tenant wide deployment process uses the ClientSideInstance.xml file</a:t>
+            </a:r>
+          </a:p>
+          <a:p>
+            <a:pPr lvl="1"/>
+            <a:r>
+              <a:rPr lang="en-US" dirty="0"/>
+              <a:t>Command set: </a:t>
+            </a:r>
+            <a:r>
+              <a:rPr lang="en-US" dirty="0">
+                <a:latin typeface="Courier New" panose="02070309020205020404" pitchFamily="49" charset="0"/>
+                <a:cs typeface="Courier New" panose="02070309020205020404" pitchFamily="49" charset="0"/>
+              </a:rPr>
+              <a:t>&lt;</a:t>
+            </a:r>
+            <a:r>
+              <a:rPr lang="en-US" dirty="0" err="1">
+                <a:latin typeface="Courier New" panose="02070309020205020404" pitchFamily="49" charset="0"/>
+                <a:cs typeface="Courier New" panose="02070309020205020404" pitchFamily="49" charset="0"/>
+              </a:rPr>
+              <a:t>ClientSideComponentInstance</a:t>
+            </a:r>
+            <a:r>
+              <a:rPr lang="en-US" dirty="0">
+                <a:latin typeface="Courier New" panose="02070309020205020404" pitchFamily="49" charset="0"/>
+                <a:cs typeface="Courier New" panose="02070309020205020404" pitchFamily="49" charset="0"/>
+              </a:rPr>
+              <a:t>&gt;</a:t>
+            </a:r>
+          </a:p>
+          <a:p>
+            <a:endParaRPr lang="en-US" dirty="0"/>
+          </a:p>
+          <a:p>
+            <a:r>
+              <a:rPr lang="en-US" dirty="0"/>
+              <a:t>Entry added to the Tenant Wide Extensions list in the tenant’s app catalog site</a:t>
+            </a:r>
+          </a:p>
+        </p:txBody>
+      </p:sp>
+      <p:sp>
+        <p:nvSpPr>
+          <p:cNvPr id="3" name="Title 2">
+            <a:extLst>
+              <a:ext uri="{FF2B5EF4-FFF2-40B4-BE49-F238E27FC236}">
+                <a16:creationId xmlns:a16="http://schemas.microsoft.com/office/drawing/2014/main" id="{F21B06D3-DD63-D04D-8257-64155C50E5FA}"/>
+              </a:ext>
+            </a:extLst>
+          </p:cNvPr>
+          <p:cNvSpPr>
+            <a:spLocks noGrp="1"/>
+          </p:cNvSpPr>
+          <p:nvPr>
+            <p:ph type="title"/>
+          </p:nvPr>
+        </p:nvSpPr>
+        <p:spPr>
+          <a:xfrm>
+            <a:off x="464400" y="633600"/>
+            <a:ext cx="11574000" cy="387798"/>
+          </a:xfrm>
+        </p:spPr>
+        <p:txBody>
+          <a:bodyPr/>
+          <a:lstStyle/>
+          <a:p>
+            <a:r>
+              <a:rPr lang="en-US" dirty="0"/>
+              <a:t>Deployment – Tenant Wide</a:t>
+            </a:r>
+          </a:p>
+        </p:txBody>
+      </p:sp>
+      <p:pic>
+        <p:nvPicPr>
+          <p:cNvPr id="5" name="Picture 4">
+            <a:extLst>
+              <a:ext uri="{FF2B5EF4-FFF2-40B4-BE49-F238E27FC236}">
+                <a16:creationId xmlns:a16="http://schemas.microsoft.com/office/drawing/2014/main" id="{EB2B195D-F542-090F-627D-62FFC84AA051}"/>
+              </a:ext>
+            </a:extLst>
+          </p:cNvPr>
+          <p:cNvPicPr>
+            <a:picLocks noChangeAspect="1"/>
+          </p:cNvPicPr>
+          <p:nvPr/>
+        </p:nvPicPr>
+        <p:blipFill>
+          <a:blip r:embed="rId3"/>
+          <a:stretch>
+            <a:fillRect/>
+          </a:stretch>
+        </p:blipFill>
+        <p:spPr>
+          <a:xfrm>
+            <a:off x="2050976" y="4183524"/>
+            <a:ext cx="8334522" cy="2480512"/>
+          </a:xfrm>
+          <a:prstGeom prst="rect">
+            <a:avLst/>
+          </a:prstGeom>
+        </p:spPr>
+      </p:pic>
     </p:spTree>
     <p:extLst>
       <p:ext uri="{BB962C8B-B14F-4D97-AF65-F5344CB8AC3E}">
-        <p14:creationId xmlns:p14="http://schemas.microsoft.com/office/powerpoint/2010/main" val="136376238"/>
+        <p14:creationId xmlns:p14="http://schemas.microsoft.com/office/powerpoint/2010/main" val="1363793731"/>
       </p:ext>
     </p:extLst>
   </p:cSld>
@@ -17666,12 +18726,99 @@
           <a:chExt cx="0" cy="0"/>
         </a:xfrm>
       </p:grpSpPr>
+      <p:sp>
+        <p:nvSpPr>
+          <p:cNvPr id="2" name="Text Placeholder 1">
+            <a:extLst>
+              <a:ext uri="{FF2B5EF4-FFF2-40B4-BE49-F238E27FC236}">
+                <a16:creationId xmlns:a16="http://schemas.microsoft.com/office/drawing/2014/main" id="{7C877E54-8532-BC4D-BE22-ED396111B657}"/>
+              </a:ext>
+            </a:extLst>
+          </p:cNvPr>
+          <p:cNvSpPr>
+            <a:spLocks noGrp="1"/>
+          </p:cNvSpPr>
+          <p:nvPr>
+            <p:ph type="body" sz="quarter" idx="10"/>
+          </p:nvPr>
+        </p:nvSpPr>
+        <p:spPr>
+          <a:xfrm>
+            <a:off x="274638" y="1212850"/>
+            <a:ext cx="11887200" cy="1337482"/>
+          </a:xfrm>
+        </p:spPr>
+        <p:txBody>
+          <a:bodyPr/>
+          <a:lstStyle/>
+          <a:p>
+            <a:r>
+              <a:rPr lang="en-US" dirty="0"/>
+              <a:t>ClientSideInstance.xml and elements.xml are elements of a Feature</a:t>
+            </a:r>
+          </a:p>
+          <a:p>
+            <a:endParaRPr lang="en-US" dirty="0"/>
+          </a:p>
+          <a:p>
+            <a:r>
+              <a:rPr lang="en-US" dirty="0"/>
+              <a:t>Feature definition part of solution object in package-</a:t>
+            </a:r>
+            <a:r>
+              <a:rPr lang="en-US" dirty="0" err="1"/>
+              <a:t>solution.json</a:t>
+            </a:r>
+            <a:r>
+              <a:rPr lang="en-US" dirty="0"/>
+              <a:t> </a:t>
+            </a:r>
+            <a:endParaRPr lang="en-US" dirty="0">
+              <a:latin typeface="Courier New" panose="02070309020205020404" pitchFamily="49" charset="0"/>
+              <a:cs typeface="Courier New" panose="02070309020205020404" pitchFamily="49" charset="0"/>
+            </a:endParaRPr>
+          </a:p>
+        </p:txBody>
+      </p:sp>
+      <p:sp>
+        <p:nvSpPr>
+          <p:cNvPr id="3" name="Title 2">
+            <a:extLst>
+              <a:ext uri="{FF2B5EF4-FFF2-40B4-BE49-F238E27FC236}">
+                <a16:creationId xmlns:a16="http://schemas.microsoft.com/office/drawing/2014/main" id="{F21B06D3-DD63-D04D-8257-64155C50E5FA}"/>
+              </a:ext>
+            </a:extLst>
+          </p:cNvPr>
+          <p:cNvSpPr>
+            <a:spLocks noGrp="1"/>
+          </p:cNvSpPr>
+          <p:nvPr>
+            <p:ph type="title"/>
+          </p:nvPr>
+        </p:nvSpPr>
+        <p:spPr>
+          <a:xfrm>
+            <a:off x="464400" y="633600"/>
+            <a:ext cx="11574000" cy="387798"/>
+          </a:xfrm>
+        </p:spPr>
+        <p:txBody>
+          <a:bodyPr/>
+          <a:lstStyle/>
+          <a:p>
+            <a:r>
+              <a:rPr lang="en-US" dirty="0"/>
+              <a:t>Deployment – Feature</a:t>
+            </a:r>
+          </a:p>
+        </p:txBody>
+      </p:sp>
       <p:pic>
         <p:nvPicPr>
-          <p:cNvPr id="5" name="Picture 4" descr="A group of people sitting at a table&#10;&#10;Description generated with high confidence">
+          <p:cNvPr id="6" name="Picture 5">
             <a:extLst>
               <a:ext uri="{FF2B5EF4-FFF2-40B4-BE49-F238E27FC236}">
-                <a16:creationId xmlns:a16="http://schemas.microsoft.com/office/drawing/2014/main" id="{D2306968-4303-2646-8585-0AC3A60408F7}"/>
+                <a16:creationId xmlns:a16="http://schemas.microsoft.com/office/drawing/2014/main" id="{F0B8899E-5F40-6C26-B79F-B0E439879BEE}"/>
               </a:ext>
             </a:extLst>
           </p:cNvPr>
@@ -17680,454 +18827,26 @@
           </p:cNvPicPr>
           <p:nvPr/>
         </p:nvPicPr>
-        <p:blipFill rotWithShape="1">
-          <a:blip r:embed="rId2" cstate="screen">
-            <a:extLst>
-              <a:ext uri="{28A0092B-C50C-407E-A947-70E740481C1C}">
-                <a14:useLocalDpi xmlns:a14="http://schemas.microsoft.com/office/drawing/2010/main"/>
-              </a:ext>
-            </a:extLst>
-          </a:blip>
-          <a:srcRect l="-2"/>
-          <a:stretch/>
+        <p:blipFill>
+          <a:blip r:embed="rId3"/>
+          <a:stretch>
+            <a:fillRect/>
+          </a:stretch>
         </p:blipFill>
         <p:spPr>
-          <a:xfrm flipH="1">
-            <a:off x="1943100" y="0"/>
-            <a:ext cx="10493376" cy="6994525"/>
+          <a:xfrm>
+            <a:off x="3307720" y="2741784"/>
+            <a:ext cx="5821033" cy="3880689"/>
           </a:xfrm>
           <a:prstGeom prst="rect">
             <a:avLst/>
           </a:prstGeom>
         </p:spPr>
       </p:pic>
-      <p:sp>
-        <p:nvSpPr>
-          <p:cNvPr id="6" name="Rectangle 5">
-            <a:extLst>
-              <a:ext uri="{FF2B5EF4-FFF2-40B4-BE49-F238E27FC236}">
-                <a16:creationId xmlns:a16="http://schemas.microsoft.com/office/drawing/2014/main" id="{983A2655-A41F-244A-9475-FD805B4A5770}"/>
-              </a:ext>
-            </a:extLst>
-          </p:cNvPr>
-          <p:cNvSpPr/>
-          <p:nvPr/>
-        </p:nvSpPr>
-        <p:spPr bwMode="auto">
-          <a:xfrm>
-            <a:off x="0" y="0"/>
-            <a:ext cx="10048876" cy="6994525"/>
-          </a:xfrm>
-          <a:prstGeom prst="rect">
-            <a:avLst/>
-          </a:prstGeom>
-          <a:gradFill flip="none" rotWithShape="1">
-            <a:gsLst>
-              <a:gs pos="0">
-                <a:schemeClr val="accent1">
-                  <a:lumMod val="5000"/>
-                  <a:lumOff val="95000"/>
-                  <a:alpha val="0"/>
-                </a:schemeClr>
-              </a:gs>
-              <a:gs pos="59000">
-                <a:schemeClr val="bg1"/>
-              </a:gs>
-              <a:gs pos="100000">
-                <a:schemeClr val="bg1"/>
-              </a:gs>
-            </a:gsLst>
-            <a:lin ang="10800000" scaled="0"/>
-            <a:tileRect/>
-          </a:gradFill>
-          <a:ln>
-            <a:noFill/>
-            <a:headEnd type="none" w="med" len="med"/>
-            <a:tailEnd type="none" w="med" len="med"/>
-          </a:ln>
-          <a:effectLst/>
-        </p:spPr>
-        <p:style>
-          <a:lnRef idx="1">
-            <a:schemeClr val="accent2"/>
-          </a:lnRef>
-          <a:fillRef idx="3">
-            <a:schemeClr val="accent2"/>
-          </a:fillRef>
-          <a:effectRef idx="2">
-            <a:schemeClr val="accent2"/>
-          </a:effectRef>
-          <a:fontRef idx="minor">
-            <a:schemeClr val="lt1"/>
-          </a:fontRef>
-        </p:style>
-        <p:txBody>
-          <a:bodyPr rot="0" spcFirstLastPara="0" vertOverflow="overflow" horzOverflow="overflow" vert="horz" wrap="square" lIns="182880" tIns="146304" rIns="182880" bIns="146304" numCol="1" spcCol="0" rtlCol="0" fromWordArt="0" anchor="t" anchorCtr="0" forceAA="0" compatLnSpc="1">
-            <a:prstTxWarp prst="textNoShape">
-              <a:avLst/>
-            </a:prstTxWarp>
-            <a:noAutofit/>
-          </a:bodyPr>
-          <a:lstStyle/>
-          <a:p>
-            <a:pPr algn="ctr" defTabSz="932472" fontAlgn="base">
-              <a:lnSpc>
-                <a:spcPct val="90000"/>
-              </a:lnSpc>
-              <a:spcBef>
-                <a:spcPct val="0"/>
-              </a:spcBef>
-              <a:spcAft>
-                <a:spcPct val="0"/>
-              </a:spcAft>
-            </a:pPr>
-            <a:endParaRPr lang="en-US" sz="2400" err="1">
-              <a:gradFill>
-                <a:gsLst>
-                  <a:gs pos="0">
-                    <a:srgbClr val="FFFFFF"/>
-                  </a:gs>
-                  <a:gs pos="100000">
-                    <a:srgbClr val="FFFFFF"/>
-                  </a:gs>
-                </a:gsLst>
-                <a:lin ang="5400000" scaled="0"/>
-              </a:gradFill>
-              <a:ea typeface="Segoe UI" pitchFamily="34" charset="0"/>
-              <a:cs typeface="Segoe UI" pitchFamily="34" charset="0"/>
-            </a:endParaRPr>
-          </a:p>
-        </p:txBody>
-      </p:sp>
-      <p:sp>
-        <p:nvSpPr>
-          <p:cNvPr id="4" name="Title 3">
-            <a:extLst>
-              <a:ext uri="{FF2B5EF4-FFF2-40B4-BE49-F238E27FC236}">
-                <a16:creationId xmlns:a16="http://schemas.microsoft.com/office/drawing/2014/main" id="{8047349F-0B8F-4D12-A39C-718C1C57DDFF}"/>
-              </a:ext>
-            </a:extLst>
-          </p:cNvPr>
-          <p:cNvSpPr>
-            <a:spLocks noGrp="1"/>
-          </p:cNvSpPr>
-          <p:nvPr>
-            <p:ph type="title"/>
-          </p:nvPr>
-        </p:nvSpPr>
-        <p:spPr>
-          <a:xfrm>
-            <a:off x="465138" y="1843063"/>
-            <a:ext cx="11533187" cy="411162"/>
-          </a:xfrm>
-        </p:spPr>
-        <p:txBody>
-          <a:bodyPr/>
-          <a:lstStyle/>
-          <a:p>
-            <a:r>
-              <a:rPr lang="en-US" dirty="0"/>
-              <a:t>Summary</a:t>
-            </a:r>
-          </a:p>
-        </p:txBody>
-      </p:sp>
-      <p:sp>
-        <p:nvSpPr>
-          <p:cNvPr id="10" name="Text Placeholder 6">
-            <a:extLst>
-              <a:ext uri="{FF2B5EF4-FFF2-40B4-BE49-F238E27FC236}">
-                <a16:creationId xmlns:a16="http://schemas.microsoft.com/office/drawing/2014/main" id="{61D48218-75E0-4C6C-BFA7-A1010BADED35}"/>
-              </a:ext>
-            </a:extLst>
-          </p:cNvPr>
-          <p:cNvSpPr txBox="1">
-            <a:spLocks/>
-          </p:cNvSpPr>
-          <p:nvPr/>
-        </p:nvSpPr>
-        <p:spPr>
-          <a:xfrm>
-            <a:off x="465139" y="2621905"/>
-            <a:ext cx="4234184" cy="1126462"/>
-          </a:xfrm>
-          <a:prstGeom prst="rect">
-            <a:avLst/>
-          </a:prstGeom>
-        </p:spPr>
-        <p:txBody>
-          <a:bodyPr vert="horz" wrap="square" lIns="0" tIns="0" rIns="0" bIns="0" rtlCol="0">
-            <a:spAutoFit/>
-          </a:bodyPr>
-          <a:lstStyle>
-            <a:lvl1pPr marL="0" marR="0" indent="0" algn="l" defTabSz="932742" rtl="0" eaLnBrk="1" fontAlgn="auto" latinLnBrk="0" hangingPunct="1">
-              <a:lnSpc>
-                <a:spcPts val="1800"/>
-              </a:lnSpc>
-              <a:spcBef>
-                <a:spcPts val="0"/>
-              </a:spcBef>
-              <a:spcAft>
-                <a:spcPts val="0"/>
-              </a:spcAft>
-              <a:buClrTx/>
-              <a:buSzPct val="90000"/>
-              <a:buFont typeface="Wingdings" panose="05000000000000000000" pitchFamily="2" charset="2"/>
-              <a:buNone/>
-              <a:tabLst/>
-              <a:defRPr sz="1400" b="1" kern="1200" spc="0" baseline="0">
-                <a:solidFill>
-                  <a:schemeClr val="tx1"/>
-                </a:solidFill>
-                <a:latin typeface="+mn-lt"/>
-                <a:ea typeface="+mn-ea"/>
-                <a:cs typeface="+mn-cs"/>
-              </a:defRPr>
-            </a:lvl1pPr>
-            <a:lvl2pPr marL="0" marR="0" indent="0" algn="l" defTabSz="932742" rtl="0" eaLnBrk="1" fontAlgn="auto" latinLnBrk="0" hangingPunct="1">
-              <a:lnSpc>
-                <a:spcPts val="1800"/>
-              </a:lnSpc>
-              <a:spcBef>
-                <a:spcPts val="0"/>
-              </a:spcBef>
-              <a:spcAft>
-                <a:spcPts val="0"/>
-              </a:spcAft>
-              <a:buClrTx/>
-              <a:buSzPct val="90000"/>
-              <a:buFont typeface="Wingdings" panose="05000000000000000000" pitchFamily="2" charset="2"/>
-              <a:buNone/>
-              <a:tabLst/>
-              <a:defRPr sz="1400" kern="1200" spc="0" baseline="0">
-                <a:solidFill>
-                  <a:schemeClr val="tx1"/>
-                </a:solidFill>
-                <a:latin typeface="+mn-lt"/>
-                <a:ea typeface="+mn-ea"/>
-                <a:cs typeface="+mn-cs"/>
-              </a:defRPr>
-            </a:lvl2pPr>
-            <a:lvl3pPr marL="457200" marR="0" indent="0" algn="l" defTabSz="932742" rtl="0" eaLnBrk="1" fontAlgn="auto" latinLnBrk="0" hangingPunct="1">
-              <a:lnSpc>
-                <a:spcPct val="90000"/>
-              </a:lnSpc>
-              <a:spcBef>
-                <a:spcPct val="20000"/>
-              </a:spcBef>
-              <a:spcAft>
-                <a:spcPts val="0"/>
-              </a:spcAft>
-              <a:buClrTx/>
-              <a:buSzPct val="90000"/>
-              <a:buFont typeface="Wingdings" panose="05000000000000000000" pitchFamily="2" charset="2"/>
-              <a:buNone/>
-              <a:tabLst/>
-              <a:defRPr sz="2400" kern="1200" spc="0" baseline="0">
-                <a:gradFill>
-                  <a:gsLst>
-                    <a:gs pos="1250">
-                      <a:schemeClr val="tx1"/>
-                    </a:gs>
-                    <a:gs pos="100000">
-                      <a:schemeClr val="tx1"/>
-                    </a:gs>
-                  </a:gsLst>
-                  <a:lin ang="5400000" scaled="0"/>
-                </a:gradFill>
-                <a:latin typeface="+mn-lt"/>
-                <a:ea typeface="+mn-ea"/>
-                <a:cs typeface="+mn-cs"/>
-              </a:defRPr>
-            </a:lvl3pPr>
-            <a:lvl4pPr marL="685800" marR="0" indent="0" algn="l" defTabSz="932742" rtl="0" eaLnBrk="1" fontAlgn="auto" latinLnBrk="0" hangingPunct="1">
-              <a:lnSpc>
-                <a:spcPct val="90000"/>
-              </a:lnSpc>
-              <a:spcBef>
-                <a:spcPct val="20000"/>
-              </a:spcBef>
-              <a:spcAft>
-                <a:spcPts val="0"/>
-              </a:spcAft>
-              <a:buClrTx/>
-              <a:buSzPct val="90000"/>
-              <a:buFont typeface="Wingdings" panose="05000000000000000000" pitchFamily="2" charset="2"/>
-              <a:buNone/>
-              <a:tabLst/>
-              <a:defRPr sz="2200" kern="1200" spc="0" baseline="0">
-                <a:gradFill>
-                  <a:gsLst>
-                    <a:gs pos="1250">
-                      <a:schemeClr val="tx1"/>
-                    </a:gs>
-                    <a:gs pos="100000">
-                      <a:schemeClr val="tx1"/>
-                    </a:gs>
-                  </a:gsLst>
-                  <a:lin ang="5400000" scaled="0"/>
-                </a:gradFill>
-                <a:latin typeface="+mn-lt"/>
-                <a:ea typeface="+mn-ea"/>
-                <a:cs typeface="+mn-cs"/>
-              </a:defRPr>
-            </a:lvl4pPr>
-            <a:lvl5pPr marL="914400" marR="0" indent="0" algn="l" defTabSz="932742" rtl="0" eaLnBrk="1" fontAlgn="auto" latinLnBrk="0" hangingPunct="1">
-              <a:lnSpc>
-                <a:spcPct val="90000"/>
-              </a:lnSpc>
-              <a:spcBef>
-                <a:spcPct val="20000"/>
-              </a:spcBef>
-              <a:spcAft>
-                <a:spcPts val="0"/>
-              </a:spcAft>
-              <a:buClrTx/>
-              <a:buSzPct val="90000"/>
-              <a:buFont typeface="Wingdings" panose="05000000000000000000" pitchFamily="2" charset="2"/>
-              <a:buNone/>
-              <a:tabLst/>
-              <a:defRPr sz="2200" kern="1200" spc="0" baseline="0">
-                <a:gradFill>
-                  <a:gsLst>
-                    <a:gs pos="1250">
-                      <a:schemeClr val="tx1"/>
-                    </a:gs>
-                    <a:gs pos="100000">
-                      <a:schemeClr val="tx1"/>
-                    </a:gs>
-                  </a:gsLst>
-                  <a:lin ang="5400000" scaled="0"/>
-                </a:gradFill>
-                <a:latin typeface="+mn-lt"/>
-                <a:ea typeface="+mn-ea"/>
-                <a:cs typeface="+mn-cs"/>
-              </a:defRPr>
-            </a:lvl5pPr>
-            <a:lvl6pPr marL="2565040" indent="-233186" algn="l" defTabSz="932742" rtl="0" eaLnBrk="1" latinLnBrk="0" hangingPunct="1">
-              <a:spcBef>
-                <a:spcPct val="20000"/>
-              </a:spcBef>
-              <a:buFont typeface="Arial" pitchFamily="34" charset="0"/>
-              <a:buChar char="•"/>
-              <a:defRPr sz="2000" kern="1200">
-                <a:solidFill>
-                  <a:schemeClr val="tx1"/>
-                </a:solidFill>
-                <a:latin typeface="+mn-lt"/>
-                <a:ea typeface="+mn-ea"/>
-                <a:cs typeface="+mn-cs"/>
-              </a:defRPr>
-            </a:lvl6pPr>
-            <a:lvl7pPr marL="3031412" indent="-233186" algn="l" defTabSz="932742" rtl="0" eaLnBrk="1" latinLnBrk="0" hangingPunct="1">
-              <a:spcBef>
-                <a:spcPct val="20000"/>
-              </a:spcBef>
-              <a:buFont typeface="Arial" pitchFamily="34" charset="0"/>
-              <a:buChar char="•"/>
-              <a:defRPr sz="2000" kern="1200">
-                <a:solidFill>
-                  <a:schemeClr val="tx1"/>
-                </a:solidFill>
-                <a:latin typeface="+mn-lt"/>
-                <a:ea typeface="+mn-ea"/>
-                <a:cs typeface="+mn-cs"/>
-              </a:defRPr>
-            </a:lvl7pPr>
-            <a:lvl8pPr marL="3497783" indent="-233186" algn="l" defTabSz="932742" rtl="0" eaLnBrk="1" latinLnBrk="0" hangingPunct="1">
-              <a:spcBef>
-                <a:spcPct val="20000"/>
-              </a:spcBef>
-              <a:buFont typeface="Arial" pitchFamily="34" charset="0"/>
-              <a:buChar char="•"/>
-              <a:defRPr sz="2000" kern="1200">
-                <a:solidFill>
-                  <a:schemeClr val="tx1"/>
-                </a:solidFill>
-                <a:latin typeface="+mn-lt"/>
-                <a:ea typeface="+mn-ea"/>
-                <a:cs typeface="+mn-cs"/>
-              </a:defRPr>
-            </a:lvl8pPr>
-            <a:lvl9pPr marL="3964155" indent="-233186" algn="l" defTabSz="932742" rtl="0" eaLnBrk="1" latinLnBrk="0" hangingPunct="1">
-              <a:spcBef>
-                <a:spcPct val="20000"/>
-              </a:spcBef>
-              <a:buFont typeface="Arial" pitchFamily="34" charset="0"/>
-              <a:buChar char="•"/>
-              <a:defRPr sz="2000" kern="1200">
-                <a:solidFill>
-                  <a:schemeClr val="tx1"/>
-                </a:solidFill>
-                <a:latin typeface="+mn-lt"/>
-                <a:ea typeface="+mn-ea"/>
-                <a:cs typeface="+mn-cs"/>
-              </a:defRPr>
-            </a:lvl9pPr>
-          </a:lstStyle>
-          <a:p>
-            <a:pPr lvl="0">
-              <a:lnSpc>
-                <a:spcPct val="90000"/>
-              </a:lnSpc>
-              <a:spcBef>
-                <a:spcPts val="1800"/>
-              </a:spcBef>
-            </a:pPr>
-            <a:r>
-              <a:rPr lang="en-US" sz="1600" b="0" dirty="0">
-                <a:solidFill>
-                  <a:srgbClr val="2F2F2F"/>
-                </a:solidFill>
-                <a:latin typeface="Segoe UI Semibold"/>
-              </a:rPr>
-              <a:t>Overview</a:t>
-            </a:r>
-          </a:p>
-          <a:p>
-            <a:pPr lvl="0">
-              <a:lnSpc>
-                <a:spcPct val="90000"/>
-              </a:lnSpc>
-              <a:spcBef>
-                <a:spcPts val="1800"/>
-              </a:spcBef>
-            </a:pPr>
-            <a:r>
-              <a:rPr lang="en-US" sz="1600" b="0" dirty="0">
-                <a:solidFill>
-                  <a:srgbClr val="2F2F2F"/>
-                </a:solidFill>
-                <a:latin typeface="Segoe UI Semibold"/>
-              </a:rPr>
-              <a:t>Debugging &amp; Testing</a:t>
-            </a:r>
-          </a:p>
-          <a:p>
-            <a:pPr lvl="0">
-              <a:lnSpc>
-                <a:spcPct val="90000"/>
-              </a:lnSpc>
-              <a:spcBef>
-                <a:spcPts val="1800"/>
-              </a:spcBef>
-            </a:pPr>
-            <a:r>
-              <a:rPr lang="en-US" sz="1600" b="0" dirty="0">
-                <a:solidFill>
-                  <a:srgbClr val="2F2F2F"/>
-                </a:solidFill>
-                <a:latin typeface="Segoe UI Semibold"/>
-              </a:rPr>
-              <a:t>Deploying</a:t>
-            </a:r>
-          </a:p>
-        </p:txBody>
-      </p:sp>
     </p:spTree>
     <p:extLst>
       <p:ext uri="{BB962C8B-B14F-4D97-AF65-F5344CB8AC3E}">
-        <p14:creationId xmlns:p14="http://schemas.microsoft.com/office/powerpoint/2010/main" val="2897804118"/>
+        <p14:creationId xmlns:p14="http://schemas.microsoft.com/office/powerpoint/2010/main" val="3476474755"/>
       </p:ext>
     </p:extLst>
   </p:cSld>

--- a/03 commandset.pptx
+++ b/03 commandset.pptx
@@ -274,7 +274,7 @@
               <a:rPr lang="en-US" smtClean="0">
                 <a:latin typeface="Segoe UI" pitchFamily="34" charset="0"/>
               </a:rPr>
-              <a:t>4/30/2022 2:43 PM</a:t>
+              <a:t>4/30/2022 3:09 PM</a:t>
             </a:fld>
             <a:endParaRPr lang="en-US" dirty="0">
               <a:latin typeface="Segoe UI" pitchFamily="34" charset="0"/>
@@ -571,7 +571,7 @@
           <a:p>
             <a:fld id="{D18B56EA-E28F-4F92-9F16-7A6F2501B303}" type="datetime8">
               <a:rPr lang="en-US" smtClean="0"/>
-              <a:t>4/30/2022 2:43 PM</a:t>
+              <a:t>4/30/2022 3:09 PM</a:t>
             </a:fld>
             <a:endParaRPr lang="en-US" dirty="0"/>
           </a:p>
@@ -954,7 +954,7 @@
           <a:p>
             <a:fld id="{D18B56EA-E28F-4F92-9F16-7A6F2501B303}" type="datetime8">
               <a:rPr lang="en-US" smtClean="0"/>
-              <a:t>4/30/2022 2:43 PM</a:t>
+              <a:t>4/30/2022 3:09 PM</a:t>
             </a:fld>
             <a:endParaRPr lang="en-US" dirty="0"/>
           </a:p>
@@ -1135,7 +1135,7 @@
           <a:p>
             <a:fld id="{D18B56EA-E28F-4F92-9F16-7A6F2501B303}" type="datetime8">
               <a:rPr lang="en-US" smtClean="0"/>
-              <a:t>4/30/2022 2:43 PM</a:t>
+              <a:t>4/30/2022 3:09 PM</a:t>
             </a:fld>
             <a:endParaRPr lang="en-US" dirty="0"/>
           </a:p>
@@ -1316,7 +1316,7 @@
           <a:p>
             <a:fld id="{D18B56EA-E28F-4F92-9F16-7A6F2501B303}" type="datetime8">
               <a:rPr lang="en-US" smtClean="0"/>
-              <a:t>4/30/2022 2:43 PM</a:t>
+              <a:t>4/30/2022 3:09 PM</a:t>
             </a:fld>
             <a:endParaRPr lang="en-US" dirty="0"/>
           </a:p>
@@ -1497,7 +1497,7 @@
           <a:p>
             <a:fld id="{D18B56EA-E28F-4F92-9F16-7A6F2501B303}" type="datetime8">
               <a:rPr lang="en-US" smtClean="0"/>
-              <a:t>4/30/2022 2:43 PM</a:t>
+              <a:t>4/30/2022 3:09 PM</a:t>
             </a:fld>
             <a:endParaRPr lang="en-US" dirty="0"/>
           </a:p>
@@ -1678,7 +1678,7 @@
           <a:p>
             <a:fld id="{D18B56EA-E28F-4F92-9F16-7A6F2501B303}" type="datetime8">
               <a:rPr lang="en-US" smtClean="0"/>
-              <a:t>4/30/2022 2:43 PM</a:t>
+              <a:t>4/30/2022 3:09 PM</a:t>
             </a:fld>
             <a:endParaRPr lang="en-US" dirty="0"/>
           </a:p>
@@ -1865,7 +1865,7 @@
           <a:p>
             <a:fld id="{D18B56EA-E28F-4F92-9F16-7A6F2501B303}" type="datetime8">
               <a:rPr lang="en-US" smtClean="0"/>
-              <a:t>4/30/2022 2:43 PM</a:t>
+              <a:t>4/30/2022 3:09 PM</a:t>
             </a:fld>
             <a:endParaRPr lang="en-US" dirty="0"/>
           </a:p>
@@ -2106,7 +2106,7 @@
           <a:p>
             <a:fld id="{D18B56EA-E28F-4F92-9F16-7A6F2501B303}" type="datetime8">
               <a:rPr lang="en-US" smtClean="0"/>
-              <a:t>4/30/2022 2:43 PM</a:t>
+              <a:t>4/30/2022 3:09 PM</a:t>
             </a:fld>
             <a:endParaRPr lang="en-US" dirty="0"/>
           </a:p>
@@ -2315,7 +2315,7 @@
           <a:p>
             <a:fld id="{D18B56EA-E28F-4F92-9F16-7A6F2501B303}" type="datetime8">
               <a:rPr lang="en-US" smtClean="0"/>
-              <a:t>4/30/2022 2:43 PM</a:t>
+              <a:t>4/30/2022 3:09 PM</a:t>
             </a:fld>
             <a:endParaRPr lang="en-US" dirty="0"/>
           </a:p>
@@ -2615,7 +2615,7 @@
           <a:p>
             <a:fld id="{D18B56EA-E28F-4F92-9F16-7A6F2501B303}" type="datetime8">
               <a:rPr lang="en-US" smtClean="0"/>
-              <a:t>4/30/2022 2:43 PM</a:t>
+              <a:t>4/30/2022 3:09 PM</a:t>
             </a:fld>
             <a:endParaRPr lang="en-US" dirty="0"/>
           </a:p>
@@ -2884,7 +2884,7 @@
           <a:p>
             <a:fld id="{D18B56EA-E28F-4F92-9F16-7A6F2501B303}" type="datetime8">
               <a:rPr lang="en-US" smtClean="0"/>
-              <a:t>4/30/2022 2:43 PM</a:t>
+              <a:t>4/30/2022 3:09 PM</a:t>
             </a:fld>
             <a:endParaRPr lang="en-US" dirty="0"/>
           </a:p>
@@ -3089,7 +3089,7 @@
           <a:p>
             <a:fld id="{D18B56EA-E28F-4F92-9F16-7A6F2501B303}" type="datetime8">
               <a:rPr lang="en-US" smtClean="0"/>
-              <a:t>4/30/2022 2:43 PM</a:t>
+              <a:t>4/30/2022 3:09 PM</a:t>
             </a:fld>
             <a:endParaRPr lang="en-US" dirty="0"/>
           </a:p>
@@ -3285,7 +3285,7 @@
           <a:p>
             <a:fld id="{D18B56EA-E28F-4F92-9F16-7A6F2501B303}" type="datetime8">
               <a:rPr lang="en-US" smtClean="0"/>
-              <a:t>4/30/2022 2:44 PM</a:t>
+              <a:t>4/30/2022 3:09 PM</a:t>
             </a:fld>
             <a:endParaRPr lang="en-US" dirty="0"/>
           </a:p>
@@ -3374,15 +3374,15 @@
           <a:p>
             <a:r>
               <a:rPr lang="en-US" dirty="0"/>
-              <a:t>SharePoint Framework command set extensions, like application customizers, support tenant wide deployment. When tenant wide deployment is enabled for the deployed package, the deployment process uses the **ClientSideInstance.xml** file within your SharePoint package to add an entry to the **Tenant Wide Extensions** list in the tenant's **App Catalog** site. The **ClientSideInstance.xml** file can be found in the **./</a:t>
-            </a:r>
-            <a:r>
-              <a:rPr lang="en-US" dirty="0" err="1"/>
-              <a:t>sharepoint</a:t>
-            </a:r>
-            <a:r>
-              <a:rPr lang="en-US" dirty="0"/>
-              <a:t>/assets** folder in your project.</a:t>
+              <a:t>The files referenced above are elements of a feature. The definition of the Feature is part of the `solution` object in the **./config/package-</a:t>
+            </a:r>
+            <a:r>
+              <a:rPr lang="en-US" dirty="0" err="1"/>
+              <a:t>solution.json</a:t>
+            </a:r>
+            <a:r>
+              <a:rPr lang="en-US" dirty="0"/>
+              <a:t>** file.</a:t>
             </a:r>
           </a:p>
         </p:txBody>
@@ -3481,7 +3481,7 @@
           <a:p>
             <a:fld id="{D18B56EA-E28F-4F92-9F16-7A6F2501B303}" type="datetime8">
               <a:rPr lang="en-US" smtClean="0"/>
-              <a:t>4/30/2022 3:02 PM</a:t>
+              <a:t>4/30/2022 3:09 PM</a:t>
             </a:fld>
             <a:endParaRPr lang="en-US" dirty="0"/>
           </a:p>
